--- a/全ての出力結果/Fig4.pptx
+++ b/全ての出力結果/Fig4.pptx
@@ -196,7 +196,7 @@
           </a:lstStyle>
           <a:p>
             <a:fld id="{32921ACC-CECD-8A41-9FF7-8E004B8057EC}" type="datetimeFigureOut">
-              <a:t>2025/1/18</a:t>
+              <a:t>2025/1/26</a:t>
             </a:fld>
             <a:endParaRPr kumimoji="1" lang="ja-JP" altLang="en-US"/>
           </a:p>
@@ -712,7 +712,7 @@
           <a:lstStyle/>
           <a:p>
             <a:fld id="{9AB96749-5896-9441-97B2-3F375D0B8B6E}" type="datetimeFigureOut">
-              <a:t>2025/1/18</a:t>
+              <a:t>2025/1/26</a:t>
             </a:fld>
             <a:endParaRPr kumimoji="1" lang="ja-JP" altLang="en-US"/>
           </a:p>
@@ -912,7 +912,7 @@
           <a:lstStyle/>
           <a:p>
             <a:fld id="{9AB96749-5896-9441-97B2-3F375D0B8B6E}" type="datetimeFigureOut">
-              <a:t>2025/1/18</a:t>
+              <a:t>2025/1/26</a:t>
             </a:fld>
             <a:endParaRPr kumimoji="1" lang="ja-JP" altLang="en-US"/>
           </a:p>
@@ -1122,7 +1122,7 @@
           <a:lstStyle/>
           <a:p>
             <a:fld id="{9AB96749-5896-9441-97B2-3F375D0B8B6E}" type="datetimeFigureOut">
-              <a:t>2025/1/18</a:t>
+              <a:t>2025/1/26</a:t>
             </a:fld>
             <a:endParaRPr kumimoji="1" lang="ja-JP" altLang="en-US"/>
           </a:p>
@@ -1322,7 +1322,7 @@
           <a:lstStyle/>
           <a:p>
             <a:fld id="{9AB96749-5896-9441-97B2-3F375D0B8B6E}" type="datetimeFigureOut">
-              <a:t>2025/1/18</a:t>
+              <a:t>2025/1/26</a:t>
             </a:fld>
             <a:endParaRPr kumimoji="1" lang="ja-JP" altLang="en-US"/>
           </a:p>
@@ -1566,7 +1566,7 @@
           <a:lstStyle/>
           <a:p>
             <a:fld id="{9AB96749-5896-9441-97B2-3F375D0B8B6E}" type="datetimeFigureOut">
-              <a:t>2025/1/18</a:t>
+              <a:t>2025/1/26</a:t>
             </a:fld>
             <a:endParaRPr kumimoji="1" lang="ja-JP" altLang="en-US"/>
           </a:p>
@@ -1860,7 +1860,7 @@
           <a:lstStyle/>
           <a:p>
             <a:fld id="{9AB96749-5896-9441-97B2-3F375D0B8B6E}" type="datetimeFigureOut">
-              <a:t>2025/1/18</a:t>
+              <a:t>2025/1/26</a:t>
             </a:fld>
             <a:endParaRPr kumimoji="1" lang="ja-JP" altLang="en-US"/>
           </a:p>
@@ -2289,7 +2289,7 @@
           <a:lstStyle/>
           <a:p>
             <a:fld id="{9AB96749-5896-9441-97B2-3F375D0B8B6E}" type="datetimeFigureOut">
-              <a:t>2025/1/18</a:t>
+              <a:t>2025/1/26</a:t>
             </a:fld>
             <a:endParaRPr kumimoji="1" lang="ja-JP" altLang="en-US"/>
           </a:p>
@@ -2405,7 +2405,7 @@
           <a:lstStyle/>
           <a:p>
             <a:fld id="{9AB96749-5896-9441-97B2-3F375D0B8B6E}" type="datetimeFigureOut">
-              <a:t>2025/1/18</a:t>
+              <a:t>2025/1/26</a:t>
             </a:fld>
             <a:endParaRPr kumimoji="1" lang="ja-JP" altLang="en-US"/>
           </a:p>
@@ -2498,7 +2498,7 @@
           <a:lstStyle/>
           <a:p>
             <a:fld id="{9AB96749-5896-9441-97B2-3F375D0B8B6E}" type="datetimeFigureOut">
-              <a:t>2025/1/18</a:t>
+              <a:t>2025/1/26</a:t>
             </a:fld>
             <a:endParaRPr kumimoji="1" lang="ja-JP" altLang="en-US"/>
           </a:p>
@@ -2805,7 +2805,7 @@
           <a:lstStyle/>
           <a:p>
             <a:fld id="{9AB96749-5896-9441-97B2-3F375D0B8B6E}" type="datetimeFigureOut">
-              <a:t>2025/1/18</a:t>
+              <a:t>2025/1/26</a:t>
             </a:fld>
             <a:endParaRPr kumimoji="1" lang="ja-JP" altLang="en-US"/>
           </a:p>
@@ -3060,7 +3060,7 @@
           <a:lstStyle/>
           <a:p>
             <a:fld id="{9AB96749-5896-9441-97B2-3F375D0B8B6E}" type="datetimeFigureOut">
-              <a:t>2025/1/18</a:t>
+              <a:t>2025/1/26</a:t>
             </a:fld>
             <a:endParaRPr kumimoji="1" lang="ja-JP" altLang="en-US"/>
           </a:p>
@@ -3303,7 +3303,7 @@
           </a:lstStyle>
           <a:p>
             <a:fld id="{9AB96749-5896-9441-97B2-3F375D0B8B6E}" type="datetimeFigureOut">
-              <a:t>2025/1/18</a:t>
+              <a:t>2025/1/26</a:t>
             </a:fld>
             <a:endParaRPr kumimoji="1" lang="ja-JP" altLang="en-US"/>
           </a:p>
@@ -3709,6 +3709,66 @@
       </p:grpSpPr>
       <p:sp>
         <p:nvSpPr>
+          <p:cNvPr id="111" name="正方形/長方形 110">
+            <a:extLst>
+              <a:ext uri="{FF2B5EF4-FFF2-40B4-BE49-F238E27FC236}">
+                <a16:creationId xmlns:a16="http://schemas.microsoft.com/office/drawing/2014/main" id="{D03EBD88-EA98-CD52-3EC1-EBD2B640B720}"/>
+              </a:ext>
+            </a:extLst>
+          </p:cNvPr>
+          <p:cNvSpPr/>
+          <p:nvPr/>
+        </p:nvSpPr>
+        <p:spPr>
+          <a:xfrm>
+            <a:off x="4959173" y="2845770"/>
+            <a:ext cx="540000" cy="36000"/>
+          </a:xfrm>
+          <a:prstGeom prst="rect">
+            <a:avLst/>
+          </a:prstGeom>
+          <a:solidFill>
+            <a:schemeClr val="accent5">
+              <a:lumMod val="20000"/>
+              <a:lumOff val="80000"/>
+            </a:schemeClr>
+          </a:solidFill>
+          <a:ln w="9525">
+            <a:solidFill>
+              <a:srgbClr val="C00000"/>
+            </a:solidFill>
+          </a:ln>
+        </p:spPr>
+        <p:style>
+          <a:lnRef idx="2">
+            <a:schemeClr val="accent1">
+              <a:shade val="15000"/>
+            </a:schemeClr>
+          </a:lnRef>
+          <a:fillRef idx="1">
+            <a:schemeClr val="accent1"/>
+          </a:fillRef>
+          <a:effectRef idx="0">
+            <a:schemeClr val="accent1"/>
+          </a:effectRef>
+          <a:fontRef idx="minor">
+            <a:schemeClr val="lt1"/>
+          </a:fontRef>
+        </p:style>
+        <p:txBody>
+          <a:bodyPr rtlCol="0" anchor="ctr"/>
+          <a:lstStyle/>
+          <a:p>
+            <a:pPr algn="ctr"/>
+            <a:endParaRPr kumimoji="1" lang="ja-JP" altLang="en-US">
+              <a:latin typeface="Arial" panose="020B0604020202020204" pitchFamily="34" charset="0"/>
+              <a:cs typeface="Arial" panose="020B0604020202020204" pitchFamily="34" charset="0"/>
+            </a:endParaRPr>
+          </a:p>
+        </p:txBody>
+      </p:sp>
+      <p:sp>
+        <p:nvSpPr>
           <p:cNvPr id="4" name="正方形/長方形 3">
             <a:extLst>
               <a:ext uri="{FF2B5EF4-FFF2-40B4-BE49-F238E27FC236}">
@@ -3781,7 +3841,7 @@
         </p:nvSpPr>
         <p:spPr>
           <a:xfrm>
-            <a:off x="2608880" y="2431235"/>
+            <a:off x="2609752" y="2434278"/>
             <a:ext cx="540000" cy="36000"/>
           </a:xfrm>
           <a:prstGeom prst="rect">
@@ -3839,7 +3899,7 @@
         </p:nvSpPr>
         <p:spPr>
           <a:xfrm>
-            <a:off x="2608880" y="2509282"/>
+            <a:off x="2609752" y="2512325"/>
             <a:ext cx="540000" cy="144000"/>
           </a:xfrm>
           <a:prstGeom prst="rect">
@@ -3956,7 +4016,7 @@
         </p:nvSpPr>
         <p:spPr>
           <a:xfrm>
-            <a:off x="3075473" y="2283606"/>
+            <a:off x="3253273" y="2185181"/>
             <a:ext cx="1366080" cy="261610"/>
           </a:xfrm>
           <a:prstGeom prst="rect">
@@ -4014,7 +4074,7 @@
         </p:nvSpPr>
         <p:spPr>
           <a:xfrm>
-            <a:off x="3096313" y="2634887"/>
+            <a:off x="3253273" y="1997695"/>
             <a:ext cx="1563248" cy="261610"/>
           </a:xfrm>
           <a:prstGeom prst="rect">
@@ -4495,7 +4555,7 @@
         </p:nvSpPr>
         <p:spPr>
           <a:xfrm>
-            <a:off x="5493243" y="2494867"/>
+            <a:off x="5570320" y="2427050"/>
             <a:ext cx="1366080" cy="261610"/>
           </a:xfrm>
           <a:prstGeom prst="rect">
@@ -4553,7 +4613,7 @@
         </p:nvSpPr>
         <p:spPr>
           <a:xfrm>
-            <a:off x="5494120" y="2792638"/>
+            <a:off x="5571197" y="2724821"/>
             <a:ext cx="1563248" cy="261610"/>
           </a:xfrm>
           <a:prstGeom prst="rect">
@@ -4611,7 +4671,7 @@
         </p:nvSpPr>
         <p:spPr>
           <a:xfrm>
-            <a:off x="5494120" y="2642198"/>
+            <a:off x="5571197" y="2574381"/>
             <a:ext cx="1563248" cy="261610"/>
           </a:xfrm>
           <a:prstGeom prst="rect">
@@ -5182,214 +5242,6 @@
       </p:cxnSp>
       <p:sp>
         <p:nvSpPr>
-          <p:cNvPr id="63" name="テキスト ボックス 62">
-            <a:extLst>
-              <a:ext uri="{FF2B5EF4-FFF2-40B4-BE49-F238E27FC236}">
-                <a16:creationId xmlns:a16="http://schemas.microsoft.com/office/drawing/2014/main" id="{531A3503-3BE9-3F7C-3D33-903E6124AA7D}"/>
-              </a:ext>
-            </a:extLst>
-          </p:cNvPr>
-          <p:cNvSpPr txBox="1"/>
-          <p:nvPr/>
-        </p:nvSpPr>
-        <p:spPr>
-          <a:xfrm>
-            <a:off x="1409887" y="2705302"/>
-            <a:ext cx="985133" cy="553998"/>
-          </a:xfrm>
-          <a:prstGeom prst="rect">
-            <a:avLst/>
-          </a:prstGeom>
-          <a:solidFill>
-            <a:srgbClr val="0070C0">
-              <a:alpha val="51000"/>
-            </a:srgbClr>
-          </a:solidFill>
-          <a:effectLst>
-            <a:softEdge rad="60898"/>
-          </a:effectLst>
-        </p:spPr>
-        <p:txBody>
-          <a:bodyPr wrap="square" rtlCol="0">
-            <a:spAutoFit/>
-          </a:bodyPr>
-          <a:lstStyle/>
-          <a:p>
-            <a:pPr algn="ctr"/>
-            <a:r>
-              <a:rPr kumimoji="1" lang="en-US" altLang="ja-JP" sz="1000" dirty="0">
-                <a:solidFill>
-                  <a:schemeClr val="bg1"/>
-                </a:solidFill>
-              </a:rPr>
-              <a:t>Observed positive interactions</a:t>
-            </a:r>
-            <a:endParaRPr kumimoji="1" lang="ja-JP" altLang="en-US" sz="1000">
-              <a:solidFill>
-                <a:schemeClr val="bg1"/>
-              </a:solidFill>
-            </a:endParaRPr>
-          </a:p>
-        </p:txBody>
-      </p:sp>
-      <p:sp>
-        <p:nvSpPr>
-          <p:cNvPr id="65" name="テキスト ボックス 64">
-            <a:extLst>
-              <a:ext uri="{FF2B5EF4-FFF2-40B4-BE49-F238E27FC236}">
-                <a16:creationId xmlns:a16="http://schemas.microsoft.com/office/drawing/2014/main" id="{FEAE7E5D-557A-0255-4351-CED3B5C0623D}"/>
-              </a:ext>
-            </a:extLst>
-          </p:cNvPr>
-          <p:cNvSpPr txBox="1"/>
-          <p:nvPr/>
-        </p:nvSpPr>
-        <p:spPr>
-          <a:xfrm>
-            <a:off x="3149752" y="1833075"/>
-            <a:ext cx="985133" cy="553998"/>
-          </a:xfrm>
-          <a:prstGeom prst="rect">
-            <a:avLst/>
-          </a:prstGeom>
-          <a:solidFill>
-            <a:srgbClr val="C00000">
-              <a:alpha val="51000"/>
-            </a:srgbClr>
-          </a:solidFill>
-          <a:effectLst>
-            <a:softEdge rad="60898"/>
-          </a:effectLst>
-        </p:spPr>
-        <p:txBody>
-          <a:bodyPr wrap="square" rtlCol="0">
-            <a:spAutoFit/>
-          </a:bodyPr>
-          <a:lstStyle/>
-          <a:p>
-            <a:pPr algn="ctr"/>
-            <a:r>
-              <a:rPr kumimoji="1" lang="en-US" altLang="ja-JP" sz="1000" dirty="0">
-                <a:solidFill>
-                  <a:schemeClr val="bg1"/>
-                </a:solidFill>
-              </a:rPr>
-              <a:t>Observed negative interactions</a:t>
-            </a:r>
-            <a:endParaRPr kumimoji="1" lang="ja-JP" altLang="en-US" sz="1000">
-              <a:solidFill>
-                <a:schemeClr val="bg1"/>
-              </a:solidFill>
-            </a:endParaRPr>
-          </a:p>
-        </p:txBody>
-      </p:sp>
-      <p:sp>
-        <p:nvSpPr>
-          <p:cNvPr id="66" name="テキスト ボックス 65">
-            <a:extLst>
-              <a:ext uri="{FF2B5EF4-FFF2-40B4-BE49-F238E27FC236}">
-                <a16:creationId xmlns:a16="http://schemas.microsoft.com/office/drawing/2014/main" id="{7F90B74E-C3B8-5F66-7438-9422893A5120}"/>
-              </a:ext>
-            </a:extLst>
-          </p:cNvPr>
-          <p:cNvSpPr txBox="1"/>
-          <p:nvPr/>
-        </p:nvSpPr>
-        <p:spPr>
-          <a:xfrm>
-            <a:off x="5501853" y="2022892"/>
-            <a:ext cx="985133" cy="553998"/>
-          </a:xfrm>
-          <a:prstGeom prst="rect">
-            <a:avLst/>
-          </a:prstGeom>
-          <a:solidFill>
-            <a:srgbClr val="C00000">
-              <a:alpha val="51000"/>
-            </a:srgbClr>
-          </a:solidFill>
-          <a:effectLst>
-            <a:softEdge rad="60898"/>
-          </a:effectLst>
-        </p:spPr>
-        <p:txBody>
-          <a:bodyPr wrap="square" rtlCol="0">
-            <a:spAutoFit/>
-          </a:bodyPr>
-          <a:lstStyle/>
-          <a:p>
-            <a:pPr algn="ctr"/>
-            <a:r>
-              <a:rPr kumimoji="1" lang="en-US" altLang="ja-JP" sz="1000">
-                <a:solidFill>
-                  <a:schemeClr val="bg1"/>
-                </a:solidFill>
-              </a:rPr>
-              <a:t>Observed negative interactions</a:t>
-            </a:r>
-            <a:endParaRPr kumimoji="1" lang="ja-JP" altLang="en-US" sz="1000">
-              <a:solidFill>
-                <a:schemeClr val="bg1"/>
-              </a:solidFill>
-            </a:endParaRPr>
-          </a:p>
-        </p:txBody>
-      </p:sp>
-      <p:sp>
-        <p:nvSpPr>
-          <p:cNvPr id="67" name="テキスト ボックス 66">
-            <a:extLst>
-              <a:ext uri="{FF2B5EF4-FFF2-40B4-BE49-F238E27FC236}">
-                <a16:creationId xmlns:a16="http://schemas.microsoft.com/office/drawing/2014/main" id="{83B65B70-2831-335B-993F-747457826A8B}"/>
-              </a:ext>
-            </a:extLst>
-          </p:cNvPr>
-          <p:cNvSpPr txBox="1"/>
-          <p:nvPr/>
-        </p:nvSpPr>
-        <p:spPr>
-          <a:xfrm>
-            <a:off x="3898088" y="3058342"/>
-            <a:ext cx="985133" cy="553998"/>
-          </a:xfrm>
-          <a:prstGeom prst="rect">
-            <a:avLst/>
-          </a:prstGeom>
-          <a:solidFill>
-            <a:srgbClr val="0070C0">
-              <a:alpha val="51000"/>
-            </a:srgbClr>
-          </a:solidFill>
-          <a:effectLst>
-            <a:softEdge rad="60898"/>
-          </a:effectLst>
-        </p:spPr>
-        <p:txBody>
-          <a:bodyPr wrap="square" rtlCol="0">
-            <a:spAutoFit/>
-          </a:bodyPr>
-          <a:lstStyle/>
-          <a:p>
-            <a:pPr algn="ctr"/>
-            <a:r>
-              <a:rPr kumimoji="1" lang="en-US" altLang="ja-JP" sz="1000">
-                <a:solidFill>
-                  <a:schemeClr val="bg1"/>
-                </a:solidFill>
-              </a:rPr>
-              <a:t>Observed positive interactions</a:t>
-            </a:r>
-            <a:endParaRPr kumimoji="1" lang="ja-JP" altLang="en-US" sz="1000">
-              <a:solidFill>
-                <a:schemeClr val="bg1"/>
-              </a:solidFill>
-            </a:endParaRPr>
-          </a:p>
-        </p:txBody>
-      </p:sp>
-      <p:sp>
-        <p:nvSpPr>
           <p:cNvPr id="57" name="正方形/長方形 56">
             <a:extLst>
               <a:ext uri="{FF2B5EF4-FFF2-40B4-BE49-F238E27FC236}">
@@ -5402,7 +5254,7 @@
         </p:nvSpPr>
         <p:spPr>
           <a:xfrm>
-            <a:off x="4955998" y="2700400"/>
+            <a:off x="4959173" y="2699973"/>
             <a:ext cx="540000" cy="144000"/>
           </a:xfrm>
           <a:prstGeom prst="rect">
@@ -5667,7 +5519,7 @@
         </p:nvCxnSpPr>
         <p:spPr>
           <a:xfrm rot="10800000" flipV="1">
-            <a:off x="2877676" y="2494867"/>
+            <a:off x="2878548" y="2497910"/>
             <a:ext cx="0" cy="0"/>
           </a:xfrm>
           <a:prstGeom prst="line">
@@ -5708,7 +5560,7 @@
         </p:nvSpPr>
         <p:spPr>
           <a:xfrm>
-            <a:off x="2608880" y="2471935"/>
+            <a:off x="2609752" y="2474978"/>
             <a:ext cx="267922" cy="100770"/>
           </a:xfrm>
           <a:prstGeom prst="rect">
@@ -5766,7 +5618,7 @@
         </p:nvSpPr>
         <p:spPr>
           <a:xfrm>
-            <a:off x="2881203" y="2438234"/>
+            <a:off x="2882075" y="2441277"/>
             <a:ext cx="267672" cy="64375"/>
           </a:xfrm>
           <a:prstGeom prst="rect">
@@ -5824,7 +5676,7 @@
         </p:nvSpPr>
         <p:spPr>
           <a:xfrm>
-            <a:off x="2608880" y="2352101"/>
+            <a:off x="2609752" y="2355144"/>
             <a:ext cx="540000" cy="36000"/>
           </a:xfrm>
           <a:prstGeom prst="rect">
@@ -5882,8 +5734,8 @@
         </p:nvSpPr>
         <p:spPr>
           <a:xfrm>
-            <a:off x="2604514" y="2376393"/>
-            <a:ext cx="544362" cy="45719"/>
+            <a:off x="2605386" y="2370101"/>
+            <a:ext cx="544362" cy="64579"/>
           </a:xfrm>
           <a:prstGeom prst="rect">
             <a:avLst/>
@@ -5942,7 +5794,7 @@
         </p:nvCxnSpPr>
         <p:spPr>
           <a:xfrm flipH="1" flipV="1">
-            <a:off x="3147752" y="2348039"/>
+            <a:off x="3148624" y="2351082"/>
             <a:ext cx="1123" cy="342453"/>
           </a:xfrm>
           <a:prstGeom prst="line">
@@ -5985,7 +5837,7 @@
         </p:nvCxnSpPr>
         <p:spPr>
           <a:xfrm flipV="1">
-            <a:off x="2608155" y="2352226"/>
+            <a:off x="2609027" y="2355269"/>
             <a:ext cx="0" cy="348835"/>
           </a:xfrm>
           <a:prstGeom prst="line">
@@ -6029,50 +5881,7 @@
         </p:nvCxnSpPr>
         <p:spPr>
           <a:xfrm flipV="1">
-            <a:off x="2608155" y="2467235"/>
-            <a:ext cx="270725" cy="3550"/>
-          </a:xfrm>
-          <a:prstGeom prst="line">
-            <a:avLst/>
-          </a:prstGeom>
-          <a:ln w="9525">
-            <a:solidFill>
-              <a:srgbClr val="0070C0"/>
-            </a:solidFill>
-          </a:ln>
-        </p:spPr>
-        <p:style>
-          <a:lnRef idx="2">
-            <a:schemeClr val="accent1"/>
-          </a:lnRef>
-          <a:fillRef idx="0">
-            <a:schemeClr val="accent1"/>
-          </a:fillRef>
-          <a:effectRef idx="1">
-            <a:schemeClr val="accent1"/>
-          </a:effectRef>
-          <a:fontRef idx="minor">
-            <a:schemeClr val="tx1"/>
-          </a:fontRef>
-        </p:style>
-      </p:cxnSp>
-      <p:cxnSp>
-        <p:nvCxnSpPr>
-          <p:cNvPr id="73" name="直線コネクタ 72">
-            <a:extLst>
-              <a:ext uri="{FF2B5EF4-FFF2-40B4-BE49-F238E27FC236}">
-                <a16:creationId xmlns:a16="http://schemas.microsoft.com/office/drawing/2014/main" id="{1EE05DC9-B680-9D2F-D860-C86D994A2DBC}"/>
-              </a:ext>
-            </a:extLst>
-          </p:cNvPr>
-          <p:cNvCxnSpPr>
-            <a:cxnSpLocks/>
-          </p:cNvCxnSpPr>
-          <p:nvPr/>
-        </p:nvCxnSpPr>
-        <p:spPr>
-          <a:xfrm flipV="1">
-            <a:off x="2606510" y="2425826"/>
+            <a:off x="2609027" y="2470278"/>
             <a:ext cx="270725" cy="3550"/>
           </a:xfrm>
           <a:prstGeom prst="line">
@@ -6115,7 +5924,7 @@
         </p:nvCxnSpPr>
         <p:spPr>
           <a:xfrm flipV="1">
-            <a:off x="2879489" y="2502087"/>
+            <a:off x="2880361" y="2505130"/>
             <a:ext cx="270725" cy="3550"/>
           </a:xfrm>
           <a:prstGeom prst="line">
@@ -6158,7 +5967,7 @@
         </p:nvCxnSpPr>
         <p:spPr>
           <a:xfrm flipV="1">
-            <a:off x="2878712" y="2423485"/>
+            <a:off x="2879584" y="2467803"/>
             <a:ext cx="270725" cy="3550"/>
           </a:xfrm>
           <a:prstGeom prst="line">
@@ -6201,94 +6010,8 @@
         </p:nvCxnSpPr>
         <p:spPr>
           <a:xfrm flipV="1">
-            <a:off x="2879252" y="2465559"/>
+            <a:off x="2880124" y="2468602"/>
             <a:ext cx="1951" cy="43200"/>
-          </a:xfrm>
-          <a:prstGeom prst="line">
-            <a:avLst/>
-          </a:prstGeom>
-          <a:ln w="9525">
-            <a:solidFill>
-              <a:srgbClr val="0070C0"/>
-            </a:solidFill>
-          </a:ln>
-        </p:spPr>
-        <p:style>
-          <a:lnRef idx="2">
-            <a:schemeClr val="accent1"/>
-          </a:lnRef>
-          <a:fillRef idx="0">
-            <a:schemeClr val="accent1"/>
-          </a:fillRef>
-          <a:effectRef idx="1">
-            <a:schemeClr val="accent1"/>
-          </a:effectRef>
-          <a:fontRef idx="minor">
-            <a:schemeClr val="tx1"/>
-          </a:fontRef>
-        </p:style>
-      </p:cxnSp>
-      <p:cxnSp>
-        <p:nvCxnSpPr>
-          <p:cNvPr id="93" name="直線コネクタ 92">
-            <a:extLst>
-              <a:ext uri="{FF2B5EF4-FFF2-40B4-BE49-F238E27FC236}">
-                <a16:creationId xmlns:a16="http://schemas.microsoft.com/office/drawing/2014/main" id="{4BE80967-A1A0-F0A7-2F53-B7E06A4C006A}"/>
-              </a:ext>
-            </a:extLst>
-          </p:cNvPr>
-          <p:cNvCxnSpPr>
-            <a:cxnSpLocks/>
-          </p:cNvCxnSpPr>
-          <p:nvPr/>
-        </p:nvCxnSpPr>
-        <p:spPr>
-          <a:xfrm flipV="1">
-            <a:off x="2876095" y="2383039"/>
-            <a:ext cx="1951" cy="43200"/>
-          </a:xfrm>
-          <a:prstGeom prst="line">
-            <a:avLst/>
-          </a:prstGeom>
-          <a:ln w="9525">
-            <a:solidFill>
-              <a:srgbClr val="0070C0"/>
-            </a:solidFill>
-          </a:ln>
-        </p:spPr>
-        <p:style>
-          <a:lnRef idx="2">
-            <a:schemeClr val="accent1"/>
-          </a:lnRef>
-          <a:fillRef idx="0">
-            <a:schemeClr val="accent1"/>
-          </a:fillRef>
-          <a:effectRef idx="1">
-            <a:schemeClr val="accent1"/>
-          </a:effectRef>
-          <a:fontRef idx="minor">
-            <a:schemeClr val="tx1"/>
-          </a:fontRef>
-        </p:style>
-      </p:cxnSp>
-      <p:cxnSp>
-        <p:nvCxnSpPr>
-          <p:cNvPr id="94" name="直線コネクタ 93">
-            <a:extLst>
-              <a:ext uri="{FF2B5EF4-FFF2-40B4-BE49-F238E27FC236}">
-                <a16:creationId xmlns:a16="http://schemas.microsoft.com/office/drawing/2014/main" id="{51BC7F98-3294-E756-2F06-E5747F421357}"/>
-              </a:ext>
-            </a:extLst>
-          </p:cNvPr>
-          <p:cNvCxnSpPr>
-            <a:cxnSpLocks/>
-          </p:cNvCxnSpPr>
-          <p:nvPr/>
-        </p:nvCxnSpPr>
-        <p:spPr>
-          <a:xfrm flipV="1">
-            <a:off x="2879085" y="2384708"/>
-            <a:ext cx="270725" cy="3550"/>
           </a:xfrm>
           <a:prstGeom prst="line">
             <a:avLst/>
@@ -6330,7 +6053,7 @@
         </p:nvCxnSpPr>
         <p:spPr>
           <a:xfrm>
-            <a:off x="2606510" y="2354066"/>
+            <a:off x="2607382" y="2357109"/>
             <a:ext cx="541242" cy="0"/>
           </a:xfrm>
           <a:prstGeom prst="line">
@@ -6371,7 +6094,7 @@
         </p:nvSpPr>
         <p:spPr>
           <a:xfrm>
-            <a:off x="3092345" y="2450351"/>
+            <a:off x="3253273" y="2351926"/>
             <a:ext cx="1563248" cy="261610"/>
           </a:xfrm>
           <a:prstGeom prst="rect">
@@ -6409,126 +6132,6 @@
               <a:solidFill>
                 <a:srgbClr val="C00000"/>
               </a:solidFill>
-              <a:latin typeface="Arial" panose="020B0604020202020204" pitchFamily="34" charset="0"/>
-              <a:cs typeface="Arial" panose="020B0604020202020204" pitchFamily="34" charset="0"/>
-            </a:endParaRPr>
-          </a:p>
-        </p:txBody>
-      </p:sp>
-      <p:sp>
-        <p:nvSpPr>
-          <p:cNvPr id="111" name="正方形/長方形 110">
-            <a:extLst>
-              <a:ext uri="{FF2B5EF4-FFF2-40B4-BE49-F238E27FC236}">
-                <a16:creationId xmlns:a16="http://schemas.microsoft.com/office/drawing/2014/main" id="{D03EBD88-EA98-CD52-3EC1-EBD2B640B720}"/>
-              </a:ext>
-            </a:extLst>
-          </p:cNvPr>
-          <p:cNvSpPr/>
-          <p:nvPr/>
-        </p:nvSpPr>
-        <p:spPr>
-          <a:xfrm>
-            <a:off x="4955998" y="2846197"/>
-            <a:ext cx="540000" cy="36000"/>
-          </a:xfrm>
-          <a:prstGeom prst="rect">
-            <a:avLst/>
-          </a:prstGeom>
-          <a:solidFill>
-            <a:schemeClr val="accent5">
-              <a:lumMod val="20000"/>
-              <a:lumOff val="80000"/>
-            </a:schemeClr>
-          </a:solidFill>
-          <a:ln w="9525">
-            <a:solidFill>
-              <a:srgbClr val="C00000"/>
-            </a:solidFill>
-          </a:ln>
-        </p:spPr>
-        <p:style>
-          <a:lnRef idx="2">
-            <a:schemeClr val="accent1">
-              <a:shade val="15000"/>
-            </a:schemeClr>
-          </a:lnRef>
-          <a:fillRef idx="1">
-            <a:schemeClr val="accent1"/>
-          </a:fillRef>
-          <a:effectRef idx="0">
-            <a:schemeClr val="accent1"/>
-          </a:effectRef>
-          <a:fontRef idx="minor">
-            <a:schemeClr val="lt1"/>
-          </a:fontRef>
-        </p:style>
-        <p:txBody>
-          <a:bodyPr rtlCol="0" anchor="ctr"/>
-          <a:lstStyle/>
-          <a:p>
-            <a:pPr algn="ctr"/>
-            <a:endParaRPr kumimoji="1" lang="ja-JP" altLang="en-US">
-              <a:latin typeface="Arial" panose="020B0604020202020204" pitchFamily="34" charset="0"/>
-              <a:cs typeface="Arial" panose="020B0604020202020204" pitchFamily="34" charset="0"/>
-            </a:endParaRPr>
-          </a:p>
-        </p:txBody>
-      </p:sp>
-      <p:sp>
-        <p:nvSpPr>
-          <p:cNvPr id="112" name="正方形/長方形 111">
-            <a:extLst>
-              <a:ext uri="{FF2B5EF4-FFF2-40B4-BE49-F238E27FC236}">
-                <a16:creationId xmlns:a16="http://schemas.microsoft.com/office/drawing/2014/main" id="{65191FA4-1310-05E2-7E6F-54C4443B5BD3}"/>
-              </a:ext>
-            </a:extLst>
-          </p:cNvPr>
-          <p:cNvSpPr/>
-          <p:nvPr/>
-        </p:nvSpPr>
-        <p:spPr>
-          <a:xfrm>
-            <a:off x="4955998" y="2885888"/>
-            <a:ext cx="540000" cy="36000"/>
-          </a:xfrm>
-          <a:prstGeom prst="rect">
-            <a:avLst/>
-          </a:prstGeom>
-          <a:solidFill>
-            <a:schemeClr val="accent4">
-              <a:lumMod val="20000"/>
-              <a:lumOff val="80000"/>
-            </a:schemeClr>
-          </a:solidFill>
-          <a:ln w="9525">
-            <a:solidFill>
-              <a:srgbClr val="C00000"/>
-            </a:solidFill>
-          </a:ln>
-        </p:spPr>
-        <p:style>
-          <a:lnRef idx="2">
-            <a:schemeClr val="accent1">
-              <a:shade val="15000"/>
-            </a:schemeClr>
-          </a:lnRef>
-          <a:fillRef idx="1">
-            <a:schemeClr val="accent1"/>
-          </a:fillRef>
-          <a:effectRef idx="0">
-            <a:schemeClr val="accent1"/>
-          </a:effectRef>
-          <a:fontRef idx="minor">
-            <a:schemeClr val="lt1"/>
-          </a:fontRef>
-        </p:style>
-        <p:txBody>
-          <a:bodyPr rtlCol="0" anchor="ctr"/>
-          <a:lstStyle/>
-          <a:p>
-            <a:pPr algn="ctr"/>
-            <a:endParaRPr kumimoji="1" lang="ja-JP" altLang="en-US">
               <a:latin typeface="Arial" panose="020B0604020202020204" pitchFamily="34" charset="0"/>
               <a:cs typeface="Arial" panose="020B0604020202020204" pitchFamily="34" charset="0"/>
             </a:endParaRPr>
@@ -6551,7 +6154,7 @@
         </p:nvCxnSpPr>
         <p:spPr>
           <a:xfrm flipV="1">
-            <a:off x="5216649" y="2771236"/>
+            <a:off x="5219824" y="2770809"/>
             <a:ext cx="1951" cy="72000"/>
           </a:xfrm>
           <a:prstGeom prst="line">
@@ -6594,7 +6197,7 @@
         </p:nvCxnSpPr>
         <p:spPr>
           <a:xfrm flipV="1">
-            <a:off x="5219639" y="2772905"/>
+            <a:off x="5222814" y="2772478"/>
             <a:ext cx="270725" cy="3550"/>
           </a:xfrm>
           <a:prstGeom prst="line">
@@ -6621,6 +6224,460 @@
           </a:fontRef>
         </p:style>
       </p:cxnSp>
+      <p:cxnSp>
+        <p:nvCxnSpPr>
+          <p:cNvPr id="2" name="直線コネクタ 1">
+            <a:extLst>
+              <a:ext uri="{FF2B5EF4-FFF2-40B4-BE49-F238E27FC236}">
+                <a16:creationId xmlns:a16="http://schemas.microsoft.com/office/drawing/2014/main" id="{9688680F-A3D8-E39F-73AF-67E29F172569}"/>
+              </a:ext>
+            </a:extLst>
+          </p:cNvPr>
+          <p:cNvCxnSpPr>
+            <a:cxnSpLocks/>
+            <a:stCxn id="5" idx="0"/>
+          </p:cNvCxnSpPr>
+          <p:nvPr/>
+        </p:nvCxnSpPr>
+        <p:spPr>
+          <a:xfrm flipV="1">
+            <a:off x="2879752" y="2398752"/>
+            <a:ext cx="2323" cy="36000"/>
+          </a:xfrm>
+          <a:prstGeom prst="line">
+            <a:avLst/>
+          </a:prstGeom>
+          <a:ln w="9525">
+            <a:solidFill>
+              <a:srgbClr val="0070C0"/>
+            </a:solidFill>
+          </a:ln>
+        </p:spPr>
+        <p:style>
+          <a:lnRef idx="2">
+            <a:schemeClr val="accent1"/>
+          </a:lnRef>
+          <a:fillRef idx="0">
+            <a:schemeClr val="accent1"/>
+          </a:fillRef>
+          <a:effectRef idx="1">
+            <a:schemeClr val="accent1"/>
+          </a:effectRef>
+          <a:fontRef idx="minor">
+            <a:schemeClr val="tx1"/>
+          </a:fontRef>
+        </p:style>
+      </p:cxnSp>
+      <p:cxnSp>
+        <p:nvCxnSpPr>
+          <p:cNvPr id="6" name="直線コネクタ 5">
+            <a:extLst>
+              <a:ext uri="{FF2B5EF4-FFF2-40B4-BE49-F238E27FC236}">
+                <a16:creationId xmlns:a16="http://schemas.microsoft.com/office/drawing/2014/main" id="{DC039F4F-ADC2-AE2A-2E02-EE5BDA91ADB0}"/>
+              </a:ext>
+            </a:extLst>
+          </p:cNvPr>
+          <p:cNvCxnSpPr>
+            <a:cxnSpLocks/>
+          </p:cNvCxnSpPr>
+          <p:nvPr/>
+        </p:nvCxnSpPr>
+        <p:spPr>
+          <a:xfrm flipV="1">
+            <a:off x="2612202" y="2432178"/>
+            <a:ext cx="270725" cy="3550"/>
+          </a:xfrm>
+          <a:prstGeom prst="line">
+            <a:avLst/>
+          </a:prstGeom>
+          <a:ln w="9525">
+            <a:solidFill>
+              <a:srgbClr val="0070C0"/>
+            </a:solidFill>
+          </a:ln>
+        </p:spPr>
+        <p:style>
+          <a:lnRef idx="2">
+            <a:schemeClr val="accent1"/>
+          </a:lnRef>
+          <a:fillRef idx="0">
+            <a:schemeClr val="accent1"/>
+          </a:fillRef>
+          <a:effectRef idx="1">
+            <a:schemeClr val="accent1"/>
+          </a:effectRef>
+          <a:fontRef idx="minor">
+            <a:schemeClr val="tx1"/>
+          </a:fontRef>
+        </p:style>
+      </p:cxnSp>
+      <p:cxnSp>
+        <p:nvCxnSpPr>
+          <p:cNvPr id="7" name="直線コネクタ 6">
+            <a:extLst>
+              <a:ext uri="{FF2B5EF4-FFF2-40B4-BE49-F238E27FC236}">
+                <a16:creationId xmlns:a16="http://schemas.microsoft.com/office/drawing/2014/main" id="{664D5FB1-9AED-CBE0-7AA1-B66040173F95}"/>
+              </a:ext>
+            </a:extLst>
+          </p:cNvPr>
+          <p:cNvCxnSpPr>
+            <a:cxnSpLocks/>
+          </p:cNvCxnSpPr>
+          <p:nvPr/>
+        </p:nvCxnSpPr>
+        <p:spPr>
+          <a:xfrm flipV="1">
+            <a:off x="2876409" y="2394778"/>
+            <a:ext cx="270725" cy="3550"/>
+          </a:xfrm>
+          <a:prstGeom prst="line">
+            <a:avLst/>
+          </a:prstGeom>
+          <a:ln w="9525">
+            <a:solidFill>
+              <a:srgbClr val="0070C0"/>
+            </a:solidFill>
+          </a:ln>
+        </p:spPr>
+        <p:style>
+          <a:lnRef idx="2">
+            <a:schemeClr val="accent1"/>
+          </a:lnRef>
+          <a:fillRef idx="0">
+            <a:schemeClr val="accent1"/>
+          </a:fillRef>
+          <a:effectRef idx="1">
+            <a:schemeClr val="accent1"/>
+          </a:effectRef>
+          <a:fontRef idx="minor">
+            <a:schemeClr val="tx1"/>
+          </a:fontRef>
+        </p:style>
+      </p:cxnSp>
+      <p:cxnSp>
+        <p:nvCxnSpPr>
+          <p:cNvPr id="21" name="直線コネクタ 20">
+            <a:extLst>
+              <a:ext uri="{FF2B5EF4-FFF2-40B4-BE49-F238E27FC236}">
+                <a16:creationId xmlns:a16="http://schemas.microsoft.com/office/drawing/2014/main" id="{BF7D1A32-7DA5-20E1-FFF0-4B2FDA8AB675}"/>
+              </a:ext>
+            </a:extLst>
+          </p:cNvPr>
+          <p:cNvCxnSpPr>
+            <a:cxnSpLocks/>
+            <a:endCxn id="110" idx="1"/>
+          </p:cNvCxnSpPr>
+          <p:nvPr/>
+        </p:nvCxnSpPr>
+        <p:spPr>
+          <a:xfrm flipV="1">
+            <a:off x="3117850" y="2482731"/>
+            <a:ext cx="135423" cy="4428"/>
+          </a:xfrm>
+          <a:prstGeom prst="line">
+            <a:avLst/>
+          </a:prstGeom>
+          <a:ln>
+            <a:solidFill>
+              <a:srgbClr val="C00000"/>
+            </a:solidFill>
+          </a:ln>
+        </p:spPr>
+        <p:style>
+          <a:lnRef idx="2">
+            <a:schemeClr val="accent1"/>
+          </a:lnRef>
+          <a:fillRef idx="0">
+            <a:schemeClr val="accent1"/>
+          </a:fillRef>
+          <a:effectRef idx="1">
+            <a:schemeClr val="accent1"/>
+          </a:effectRef>
+          <a:fontRef idx="minor">
+            <a:schemeClr val="tx1"/>
+          </a:fontRef>
+        </p:style>
+      </p:cxnSp>
+      <p:cxnSp>
+        <p:nvCxnSpPr>
+          <p:cNvPr id="22" name="直線コネクタ 21">
+            <a:extLst>
+              <a:ext uri="{FF2B5EF4-FFF2-40B4-BE49-F238E27FC236}">
+                <a16:creationId xmlns:a16="http://schemas.microsoft.com/office/drawing/2014/main" id="{DD7444CC-1C61-931B-2346-3CB0125E9378}"/>
+              </a:ext>
+            </a:extLst>
+          </p:cNvPr>
+          <p:cNvCxnSpPr>
+            <a:cxnSpLocks/>
+            <a:endCxn id="10" idx="1"/>
+          </p:cNvCxnSpPr>
+          <p:nvPr/>
+        </p:nvCxnSpPr>
+        <p:spPr>
+          <a:xfrm flipV="1">
+            <a:off x="3117850" y="2315986"/>
+            <a:ext cx="135423" cy="111728"/>
+          </a:xfrm>
+          <a:prstGeom prst="line">
+            <a:avLst/>
+          </a:prstGeom>
+          <a:ln>
+            <a:solidFill>
+              <a:srgbClr val="C00000"/>
+            </a:solidFill>
+          </a:ln>
+        </p:spPr>
+        <p:style>
+          <a:lnRef idx="2">
+            <a:schemeClr val="accent1"/>
+          </a:lnRef>
+          <a:fillRef idx="0">
+            <a:schemeClr val="accent1"/>
+          </a:fillRef>
+          <a:effectRef idx="1">
+            <a:schemeClr val="accent1"/>
+          </a:effectRef>
+          <a:fontRef idx="minor">
+            <a:schemeClr val="tx1"/>
+          </a:fontRef>
+        </p:style>
+      </p:cxnSp>
+      <p:cxnSp>
+        <p:nvCxnSpPr>
+          <p:cNvPr id="23" name="直線コネクタ 22">
+            <a:extLst>
+              <a:ext uri="{FF2B5EF4-FFF2-40B4-BE49-F238E27FC236}">
+                <a16:creationId xmlns:a16="http://schemas.microsoft.com/office/drawing/2014/main" id="{B8DAB172-1973-735E-4AF9-0474A16802E1}"/>
+              </a:ext>
+            </a:extLst>
+          </p:cNvPr>
+          <p:cNvCxnSpPr>
+            <a:cxnSpLocks/>
+            <a:endCxn id="14" idx="1"/>
+          </p:cNvCxnSpPr>
+          <p:nvPr/>
+        </p:nvCxnSpPr>
+        <p:spPr>
+          <a:xfrm flipV="1">
+            <a:off x="3117850" y="2128500"/>
+            <a:ext cx="135423" cy="241601"/>
+          </a:xfrm>
+          <a:prstGeom prst="line">
+            <a:avLst/>
+          </a:prstGeom>
+          <a:ln>
+            <a:solidFill>
+              <a:srgbClr val="C00000"/>
+            </a:solidFill>
+          </a:ln>
+        </p:spPr>
+        <p:style>
+          <a:lnRef idx="2">
+            <a:schemeClr val="accent1"/>
+          </a:lnRef>
+          <a:fillRef idx="0">
+            <a:schemeClr val="accent1"/>
+          </a:fillRef>
+          <a:effectRef idx="1">
+            <a:schemeClr val="accent1"/>
+          </a:effectRef>
+          <a:fontRef idx="minor">
+            <a:schemeClr val="tx1"/>
+          </a:fontRef>
+        </p:style>
+      </p:cxnSp>
+      <p:cxnSp>
+        <p:nvCxnSpPr>
+          <p:cNvPr id="58" name="直線コネクタ 57">
+            <a:extLst>
+              <a:ext uri="{FF2B5EF4-FFF2-40B4-BE49-F238E27FC236}">
+                <a16:creationId xmlns:a16="http://schemas.microsoft.com/office/drawing/2014/main" id="{5865068D-78DA-57B2-84CA-06E0F44E69C7}"/>
+              </a:ext>
+            </a:extLst>
+          </p:cNvPr>
+          <p:cNvCxnSpPr>
+            <a:cxnSpLocks/>
+            <a:endCxn id="44" idx="1"/>
+          </p:cNvCxnSpPr>
+          <p:nvPr/>
+        </p:nvCxnSpPr>
+        <p:spPr>
+          <a:xfrm flipV="1">
+            <a:off x="5468772" y="2855626"/>
+            <a:ext cx="102425" cy="11857"/>
+          </a:xfrm>
+          <a:prstGeom prst="line">
+            <a:avLst/>
+          </a:prstGeom>
+          <a:ln>
+            <a:solidFill>
+              <a:srgbClr val="C00000"/>
+            </a:solidFill>
+          </a:ln>
+        </p:spPr>
+        <p:style>
+          <a:lnRef idx="2">
+            <a:schemeClr val="accent1"/>
+          </a:lnRef>
+          <a:fillRef idx="0">
+            <a:schemeClr val="accent1"/>
+          </a:fillRef>
+          <a:effectRef idx="1">
+            <a:schemeClr val="accent1"/>
+          </a:effectRef>
+          <a:fontRef idx="minor">
+            <a:schemeClr val="tx1"/>
+          </a:fontRef>
+        </p:style>
+      </p:cxnSp>
+      <p:cxnSp>
+        <p:nvCxnSpPr>
+          <p:cNvPr id="59" name="直線コネクタ 58">
+            <a:extLst>
+              <a:ext uri="{FF2B5EF4-FFF2-40B4-BE49-F238E27FC236}">
+                <a16:creationId xmlns:a16="http://schemas.microsoft.com/office/drawing/2014/main" id="{6421D35A-2FC3-94AA-A2C1-DF625DACF2AA}"/>
+              </a:ext>
+            </a:extLst>
+          </p:cNvPr>
+          <p:cNvCxnSpPr>
+            <a:cxnSpLocks/>
+            <a:endCxn id="45" idx="1"/>
+          </p:cNvCxnSpPr>
+          <p:nvPr/>
+        </p:nvCxnSpPr>
+        <p:spPr>
+          <a:xfrm flipV="1">
+            <a:off x="5468772" y="2705186"/>
+            <a:ext cx="102425" cy="102852"/>
+          </a:xfrm>
+          <a:prstGeom prst="line">
+            <a:avLst/>
+          </a:prstGeom>
+          <a:ln>
+            <a:solidFill>
+              <a:srgbClr val="C00000"/>
+            </a:solidFill>
+          </a:ln>
+        </p:spPr>
+        <p:style>
+          <a:lnRef idx="2">
+            <a:schemeClr val="accent1"/>
+          </a:lnRef>
+          <a:fillRef idx="0">
+            <a:schemeClr val="accent1"/>
+          </a:fillRef>
+          <a:effectRef idx="1">
+            <a:schemeClr val="accent1"/>
+          </a:effectRef>
+          <a:fontRef idx="minor">
+            <a:schemeClr val="tx1"/>
+          </a:fontRef>
+        </p:style>
+      </p:cxnSp>
+      <p:cxnSp>
+        <p:nvCxnSpPr>
+          <p:cNvPr id="60" name="直線コネクタ 59">
+            <a:extLst>
+              <a:ext uri="{FF2B5EF4-FFF2-40B4-BE49-F238E27FC236}">
+                <a16:creationId xmlns:a16="http://schemas.microsoft.com/office/drawing/2014/main" id="{29365577-FF6D-0271-DA9A-935DF2209C84}"/>
+              </a:ext>
+            </a:extLst>
+          </p:cNvPr>
+          <p:cNvCxnSpPr>
+            <a:cxnSpLocks/>
+            <a:endCxn id="43" idx="1"/>
+          </p:cNvCxnSpPr>
+          <p:nvPr/>
+        </p:nvCxnSpPr>
+        <p:spPr>
+          <a:xfrm flipV="1">
+            <a:off x="5468772" y="2557855"/>
+            <a:ext cx="101548" cy="192570"/>
+          </a:xfrm>
+          <a:prstGeom prst="line">
+            <a:avLst/>
+          </a:prstGeom>
+          <a:ln>
+            <a:solidFill>
+              <a:srgbClr val="C00000"/>
+            </a:solidFill>
+          </a:ln>
+        </p:spPr>
+        <p:style>
+          <a:lnRef idx="2">
+            <a:schemeClr val="accent1"/>
+          </a:lnRef>
+          <a:fillRef idx="0">
+            <a:schemeClr val="accent1"/>
+          </a:fillRef>
+          <a:effectRef idx="1">
+            <a:schemeClr val="accent1"/>
+          </a:effectRef>
+          <a:fontRef idx="minor">
+            <a:schemeClr val="tx1"/>
+          </a:fontRef>
+        </p:style>
+      </p:cxnSp>
+      <p:sp>
+        <p:nvSpPr>
+          <p:cNvPr id="112" name="正方形/長方形 111">
+            <a:extLst>
+              <a:ext uri="{FF2B5EF4-FFF2-40B4-BE49-F238E27FC236}">
+                <a16:creationId xmlns:a16="http://schemas.microsoft.com/office/drawing/2014/main" id="{65191FA4-1310-05E2-7E6F-54C4443B5BD3}"/>
+              </a:ext>
+            </a:extLst>
+          </p:cNvPr>
+          <p:cNvSpPr/>
+          <p:nvPr/>
+        </p:nvSpPr>
+        <p:spPr>
+          <a:xfrm>
+            <a:off x="4959173" y="2882286"/>
+            <a:ext cx="540000" cy="36000"/>
+          </a:xfrm>
+          <a:prstGeom prst="rect">
+            <a:avLst/>
+          </a:prstGeom>
+          <a:solidFill>
+            <a:schemeClr val="accent4">
+              <a:lumMod val="20000"/>
+              <a:lumOff val="80000"/>
+            </a:schemeClr>
+          </a:solidFill>
+          <a:ln w="9525">
+            <a:solidFill>
+              <a:srgbClr val="C00000"/>
+            </a:solidFill>
+          </a:ln>
+        </p:spPr>
+        <p:style>
+          <a:lnRef idx="2">
+            <a:schemeClr val="accent1">
+              <a:shade val="15000"/>
+            </a:schemeClr>
+          </a:lnRef>
+          <a:fillRef idx="1">
+            <a:schemeClr val="accent1"/>
+          </a:fillRef>
+          <a:effectRef idx="0">
+            <a:schemeClr val="accent1"/>
+          </a:effectRef>
+          <a:fontRef idx="minor">
+            <a:schemeClr val="lt1"/>
+          </a:fontRef>
+        </p:style>
+        <p:txBody>
+          <a:bodyPr rtlCol="0" anchor="ctr"/>
+          <a:lstStyle/>
+          <a:p>
+            <a:pPr algn="ctr"/>
+            <a:endParaRPr kumimoji="1" lang="ja-JP" altLang="en-US">
+              <a:latin typeface="Arial" panose="020B0604020202020204" pitchFamily="34" charset="0"/>
+              <a:cs typeface="Arial" panose="020B0604020202020204" pitchFamily="34" charset="0"/>
+            </a:endParaRPr>
+          </a:p>
+        </p:txBody>
+      </p:sp>
     </p:spTree>
     <p:extLst>
       <p:ext uri="{BB962C8B-B14F-4D97-AF65-F5344CB8AC3E}">

--- a/全ての出力結果/Fig4.pptx
+++ b/全ての出力結果/Fig4.pptx
@@ -196,7 +196,7 @@
           </a:lstStyle>
           <a:p>
             <a:fld id="{32921ACC-CECD-8A41-9FF7-8E004B8057EC}" type="datetimeFigureOut">
-              <a:t>2025/1/26</a:t>
+              <a:t>2025/1/28</a:t>
             </a:fld>
             <a:endParaRPr kumimoji="1" lang="ja-JP" altLang="en-US"/>
           </a:p>
@@ -712,7 +712,7 @@
           <a:lstStyle/>
           <a:p>
             <a:fld id="{9AB96749-5896-9441-97B2-3F375D0B8B6E}" type="datetimeFigureOut">
-              <a:t>2025/1/26</a:t>
+              <a:t>2025/1/28</a:t>
             </a:fld>
             <a:endParaRPr kumimoji="1" lang="ja-JP" altLang="en-US"/>
           </a:p>
@@ -912,7 +912,7 @@
           <a:lstStyle/>
           <a:p>
             <a:fld id="{9AB96749-5896-9441-97B2-3F375D0B8B6E}" type="datetimeFigureOut">
-              <a:t>2025/1/26</a:t>
+              <a:t>2025/1/28</a:t>
             </a:fld>
             <a:endParaRPr kumimoji="1" lang="ja-JP" altLang="en-US"/>
           </a:p>
@@ -1122,7 +1122,7 @@
           <a:lstStyle/>
           <a:p>
             <a:fld id="{9AB96749-5896-9441-97B2-3F375D0B8B6E}" type="datetimeFigureOut">
-              <a:t>2025/1/26</a:t>
+              <a:t>2025/1/28</a:t>
             </a:fld>
             <a:endParaRPr kumimoji="1" lang="ja-JP" altLang="en-US"/>
           </a:p>
@@ -1322,7 +1322,7 @@
           <a:lstStyle/>
           <a:p>
             <a:fld id="{9AB96749-5896-9441-97B2-3F375D0B8B6E}" type="datetimeFigureOut">
-              <a:t>2025/1/26</a:t>
+              <a:t>2025/1/28</a:t>
             </a:fld>
             <a:endParaRPr kumimoji="1" lang="ja-JP" altLang="en-US"/>
           </a:p>
@@ -1566,7 +1566,7 @@
           <a:lstStyle/>
           <a:p>
             <a:fld id="{9AB96749-5896-9441-97B2-3F375D0B8B6E}" type="datetimeFigureOut">
-              <a:t>2025/1/26</a:t>
+              <a:t>2025/1/28</a:t>
             </a:fld>
             <a:endParaRPr kumimoji="1" lang="ja-JP" altLang="en-US"/>
           </a:p>
@@ -1860,7 +1860,7 @@
           <a:lstStyle/>
           <a:p>
             <a:fld id="{9AB96749-5896-9441-97B2-3F375D0B8B6E}" type="datetimeFigureOut">
-              <a:t>2025/1/26</a:t>
+              <a:t>2025/1/28</a:t>
             </a:fld>
             <a:endParaRPr kumimoji="1" lang="ja-JP" altLang="en-US"/>
           </a:p>
@@ -2289,7 +2289,7 @@
           <a:lstStyle/>
           <a:p>
             <a:fld id="{9AB96749-5896-9441-97B2-3F375D0B8B6E}" type="datetimeFigureOut">
-              <a:t>2025/1/26</a:t>
+              <a:t>2025/1/28</a:t>
             </a:fld>
             <a:endParaRPr kumimoji="1" lang="ja-JP" altLang="en-US"/>
           </a:p>
@@ -2405,7 +2405,7 @@
           <a:lstStyle/>
           <a:p>
             <a:fld id="{9AB96749-5896-9441-97B2-3F375D0B8B6E}" type="datetimeFigureOut">
-              <a:t>2025/1/26</a:t>
+              <a:t>2025/1/28</a:t>
             </a:fld>
             <a:endParaRPr kumimoji="1" lang="ja-JP" altLang="en-US"/>
           </a:p>
@@ -2498,7 +2498,7 @@
           <a:lstStyle/>
           <a:p>
             <a:fld id="{9AB96749-5896-9441-97B2-3F375D0B8B6E}" type="datetimeFigureOut">
-              <a:t>2025/1/26</a:t>
+              <a:t>2025/1/28</a:t>
             </a:fld>
             <a:endParaRPr kumimoji="1" lang="ja-JP" altLang="en-US"/>
           </a:p>
@@ -2805,7 +2805,7 @@
           <a:lstStyle/>
           <a:p>
             <a:fld id="{9AB96749-5896-9441-97B2-3F375D0B8B6E}" type="datetimeFigureOut">
-              <a:t>2025/1/26</a:t>
+              <a:t>2025/1/28</a:t>
             </a:fld>
             <a:endParaRPr kumimoji="1" lang="ja-JP" altLang="en-US"/>
           </a:p>
@@ -3060,7 +3060,7 @@
           <a:lstStyle/>
           <a:p>
             <a:fld id="{9AB96749-5896-9441-97B2-3F375D0B8B6E}" type="datetimeFigureOut">
-              <a:t>2025/1/26</a:t>
+              <a:t>2025/1/28</a:t>
             </a:fld>
             <a:endParaRPr kumimoji="1" lang="ja-JP" altLang="en-US"/>
           </a:p>
@@ -3303,7 +3303,7 @@
           </a:lstStyle>
           <a:p>
             <a:fld id="{9AB96749-5896-9441-97B2-3F375D0B8B6E}" type="datetimeFigureOut">
-              <a:t>2025/1/26</a:t>
+              <a:t>2025/1/28</a:t>
             </a:fld>
             <a:endParaRPr kumimoji="1" lang="ja-JP" altLang="en-US"/>
           </a:p>
@@ -3761,8 +3761,8 @@
           <a:p>
             <a:pPr algn="ctr"/>
             <a:endParaRPr kumimoji="1" lang="ja-JP" altLang="en-US">
-              <a:latin typeface="Arial" panose="020B0604020202020204" pitchFamily="34" charset="0"/>
-              <a:cs typeface="Arial" panose="020B0604020202020204" pitchFamily="34" charset="0"/>
+              <a:latin typeface="Times New Roman" panose="02020603050405020304" pitchFamily="18" charset="0"/>
+              <a:cs typeface="Times New Roman" panose="02020603050405020304" pitchFamily="18" charset="0"/>
             </a:endParaRPr>
           </a:p>
         </p:txBody>
@@ -3821,8 +3821,8 @@
           <a:p>
             <a:pPr algn="ctr"/>
             <a:endParaRPr kumimoji="1" lang="en-US" altLang="ja-JP" sz="1100" dirty="0">
-              <a:latin typeface="Arial" panose="020B0604020202020204" pitchFamily="34" charset="0"/>
-              <a:cs typeface="Arial" panose="020B0604020202020204" pitchFamily="34" charset="0"/>
+              <a:latin typeface="Times New Roman" panose="02020603050405020304" pitchFamily="18" charset="0"/>
+              <a:cs typeface="Times New Roman" panose="02020603050405020304" pitchFamily="18" charset="0"/>
             </a:endParaRPr>
           </a:p>
         </p:txBody>
@@ -3879,8 +3879,8 @@
           <a:p>
             <a:pPr algn="ctr"/>
             <a:endParaRPr kumimoji="1" lang="ja-JP" altLang="en-US">
-              <a:latin typeface="Arial" panose="020B0604020202020204" pitchFamily="34" charset="0"/>
-              <a:cs typeface="Arial" panose="020B0604020202020204" pitchFamily="34" charset="0"/>
+              <a:latin typeface="Times New Roman" panose="02020603050405020304" pitchFamily="18" charset="0"/>
+              <a:cs typeface="Times New Roman" panose="02020603050405020304" pitchFamily="18" charset="0"/>
             </a:endParaRPr>
           </a:p>
         </p:txBody>
@@ -3937,8 +3937,8 @@
           <a:p>
             <a:pPr algn="ctr"/>
             <a:endParaRPr kumimoji="1" lang="ja-JP" altLang="en-US">
-              <a:latin typeface="Arial" panose="020B0604020202020204" pitchFamily="34" charset="0"/>
-              <a:cs typeface="Arial" panose="020B0604020202020204" pitchFamily="34" charset="0"/>
+              <a:latin typeface="Times New Roman" panose="02020603050405020304" pitchFamily="18" charset="0"/>
+              <a:cs typeface="Times New Roman" panose="02020603050405020304" pitchFamily="18" charset="0"/>
             </a:endParaRPr>
           </a:p>
         </p:txBody>
@@ -3957,8 +3957,8 @@
         </p:nvSpPr>
         <p:spPr>
           <a:xfrm>
-            <a:off x="1293661" y="2427714"/>
-            <a:ext cx="1366080" cy="261610"/>
+            <a:off x="1401063" y="2427714"/>
+            <a:ext cx="1258678" cy="261610"/>
           </a:xfrm>
           <a:prstGeom prst="rect">
             <a:avLst/>
@@ -3977,8 +3977,8 @@
                 <a:solidFill>
                   <a:srgbClr val="0070C0"/>
                 </a:solidFill>
-                <a:latin typeface="Arial" panose="020B0604020202020204" pitchFamily="34" charset="0"/>
-                <a:cs typeface="Arial" panose="020B0604020202020204" pitchFamily="34" charset="0"/>
+                <a:latin typeface="Times New Roman" panose="02020603050405020304" pitchFamily="18" charset="0"/>
+                <a:cs typeface="Times New Roman" panose="02020603050405020304" pitchFamily="18" charset="0"/>
               </a:rPr>
               <a:t>Prey→Predator</a:t>
             </a:r>
@@ -3987,8 +3987,8 @@
                 <a:solidFill>
                   <a:srgbClr val="0070C0"/>
                 </a:solidFill>
-                <a:latin typeface="Arial" panose="020B0604020202020204" pitchFamily="34" charset="0"/>
-                <a:cs typeface="Arial" panose="020B0604020202020204" pitchFamily="34" charset="0"/>
+                <a:latin typeface="Times New Roman" panose="02020603050405020304" pitchFamily="18" charset="0"/>
+                <a:cs typeface="Times New Roman" panose="02020603050405020304" pitchFamily="18" charset="0"/>
               </a:rPr>
               <a:t> (5)</a:t>
             </a:r>
@@ -3996,8 +3996,8 @@
               <a:solidFill>
                 <a:srgbClr val="0070C0"/>
               </a:solidFill>
-              <a:latin typeface="Arial" panose="020B0604020202020204" pitchFamily="34" charset="0"/>
-              <a:cs typeface="Arial" panose="020B0604020202020204" pitchFamily="34" charset="0"/>
+              <a:latin typeface="Times New Roman" panose="02020603050405020304" pitchFamily="18" charset="0"/>
+              <a:cs typeface="Times New Roman" panose="02020603050405020304" pitchFamily="18" charset="0"/>
             </a:endParaRPr>
           </a:p>
         </p:txBody>
@@ -4017,7 +4017,7 @@
         <p:spPr>
           <a:xfrm>
             <a:off x="3253273" y="2185181"/>
-            <a:ext cx="1366080" cy="261610"/>
+            <a:ext cx="1258678" cy="261610"/>
           </a:xfrm>
           <a:prstGeom prst="rect">
             <a:avLst/>
@@ -4035,8 +4035,8 @@
                 <a:solidFill>
                   <a:srgbClr val="C00000"/>
                 </a:solidFill>
-                <a:latin typeface="Arial" panose="020B0604020202020204" pitchFamily="34" charset="0"/>
-                <a:cs typeface="Arial" panose="020B0604020202020204" pitchFamily="34" charset="0"/>
+                <a:latin typeface="Times New Roman" panose="02020603050405020304" pitchFamily="18" charset="0"/>
+                <a:cs typeface="Times New Roman" panose="02020603050405020304" pitchFamily="18" charset="0"/>
               </a:rPr>
               <a:t>Predator→Prey</a:t>
             </a:r>
@@ -4045,8 +4045,8 @@
                 <a:solidFill>
                   <a:srgbClr val="C00000"/>
                 </a:solidFill>
-                <a:latin typeface="Arial" panose="020B0604020202020204" pitchFamily="34" charset="0"/>
-                <a:cs typeface="Arial" panose="020B0604020202020204" pitchFamily="34" charset="0"/>
+                <a:latin typeface="Times New Roman" panose="02020603050405020304" pitchFamily="18" charset="0"/>
+                <a:cs typeface="Times New Roman" panose="02020603050405020304" pitchFamily="18" charset="0"/>
               </a:rPr>
               <a:t> (2)</a:t>
             </a:r>
@@ -4054,8 +4054,8 @@
               <a:solidFill>
                 <a:srgbClr val="C00000"/>
               </a:solidFill>
-              <a:latin typeface="Arial" panose="020B0604020202020204" pitchFamily="34" charset="0"/>
-              <a:cs typeface="Arial" panose="020B0604020202020204" pitchFamily="34" charset="0"/>
+              <a:latin typeface="Times New Roman" panose="02020603050405020304" pitchFamily="18" charset="0"/>
+              <a:cs typeface="Times New Roman" panose="02020603050405020304" pitchFamily="18" charset="0"/>
             </a:endParaRPr>
           </a:p>
         </p:txBody>
@@ -4075,7 +4075,7 @@
         <p:spPr>
           <a:xfrm>
             <a:off x="3253273" y="1997695"/>
-            <a:ext cx="1563248" cy="261610"/>
+            <a:ext cx="1492716" cy="261610"/>
           </a:xfrm>
           <a:prstGeom prst="rect">
             <a:avLst/>
@@ -4093,8 +4093,8 @@
                 <a:solidFill>
                   <a:srgbClr val="C00000"/>
                 </a:solidFill>
-                <a:latin typeface="Arial" panose="020B0604020202020204" pitchFamily="34" charset="0"/>
-                <a:cs typeface="Arial" panose="020B0604020202020204" pitchFamily="34" charset="0"/>
+                <a:latin typeface="Times New Roman" panose="02020603050405020304" pitchFamily="18" charset="0"/>
+                <a:cs typeface="Times New Roman" panose="02020603050405020304" pitchFamily="18" charset="0"/>
               </a:rPr>
               <a:t>Victim→Aggressor</a:t>
             </a:r>
@@ -4103,8 +4103,8 @@
                 <a:solidFill>
                   <a:srgbClr val="C00000"/>
                 </a:solidFill>
-                <a:latin typeface="Arial" panose="020B0604020202020204" pitchFamily="34" charset="0"/>
-                <a:cs typeface="Arial" panose="020B0604020202020204" pitchFamily="34" charset="0"/>
+                <a:latin typeface="Times New Roman" panose="02020603050405020304" pitchFamily="18" charset="0"/>
+                <a:cs typeface="Times New Roman" panose="02020603050405020304" pitchFamily="18" charset="0"/>
               </a:rPr>
               <a:t> (2)</a:t>
             </a:r>
@@ -4112,8 +4112,8 @@
               <a:solidFill>
                 <a:srgbClr val="C00000"/>
               </a:solidFill>
-              <a:latin typeface="Arial" panose="020B0604020202020204" pitchFamily="34" charset="0"/>
-              <a:cs typeface="Arial" panose="020B0604020202020204" pitchFamily="34" charset="0"/>
+              <a:latin typeface="Times New Roman" panose="02020603050405020304" pitchFamily="18" charset="0"/>
+              <a:cs typeface="Times New Roman" panose="02020603050405020304" pitchFamily="18" charset="0"/>
             </a:endParaRPr>
           </a:p>
         </p:txBody>
@@ -4132,8 +4132,8 @@
         </p:nvSpPr>
         <p:spPr>
           <a:xfrm>
-            <a:off x="1682656" y="1529585"/>
-            <a:ext cx="968791" cy="276999"/>
+            <a:off x="1747032" y="1529585"/>
+            <a:ext cx="904415" cy="276999"/>
           </a:xfrm>
           <a:prstGeom prst="rect">
             <a:avLst/>
@@ -4148,27 +4148,27 @@
           <a:p>
             <a:pPr algn="r"/>
             <a:r>
-              <a:rPr kumimoji="1" lang="en-US" altLang="ja-JP" sz="1200" i="1">
+              <a:rPr kumimoji="1" lang="en-US" altLang="ja-JP" sz="1200">
                 <a:solidFill>
                   <a:schemeClr val="tx1">
                     <a:lumMod val="50000"/>
                     <a:lumOff val="50000"/>
                   </a:schemeClr>
                 </a:solidFill>
-                <a:latin typeface="Arial" panose="020B0604020202020204" pitchFamily="34" charset="0"/>
-                <a:cs typeface="Arial" panose="020B0604020202020204" pitchFamily="34" charset="0"/>
+                <a:latin typeface="Times New Roman" panose="02020603050405020304" pitchFamily="18" charset="0"/>
+                <a:cs typeface="Times New Roman" panose="02020603050405020304" pitchFamily="18" charset="0"/>
               </a:rPr>
               <a:t>Compatible</a:t>
             </a:r>
-            <a:endParaRPr kumimoji="1" lang="ja-JP" altLang="en-US" sz="1200" i="1">
+            <a:endParaRPr kumimoji="1" lang="ja-JP" altLang="en-US" sz="1200">
               <a:solidFill>
                 <a:schemeClr val="tx1">
                   <a:lumMod val="50000"/>
                   <a:lumOff val="50000"/>
                 </a:schemeClr>
               </a:solidFill>
-              <a:latin typeface="Arial" panose="020B0604020202020204" pitchFamily="34" charset="0"/>
-              <a:cs typeface="Arial" panose="020B0604020202020204" pitchFamily="34" charset="0"/>
+              <a:latin typeface="Times New Roman" panose="02020603050405020304" pitchFamily="18" charset="0"/>
+              <a:cs typeface="Times New Roman" panose="02020603050405020304" pitchFamily="18" charset="0"/>
             </a:endParaRPr>
           </a:p>
         </p:txBody>
@@ -4187,8 +4187,8 @@
         </p:nvSpPr>
         <p:spPr>
           <a:xfrm>
-            <a:off x="2401849" y="4777420"/>
-            <a:ext cx="1180131" cy="307777"/>
+            <a:off x="2438718" y="4777420"/>
+            <a:ext cx="1106393" cy="307777"/>
           </a:xfrm>
           <a:prstGeom prst="rect">
             <a:avLst/>
@@ -4207,8 +4207,8 @@
                 <a:solidFill>
                   <a:srgbClr val="0070C0"/>
                 </a:solidFill>
-                <a:latin typeface="Arial" panose="020B0604020202020204" pitchFamily="34" charset="0"/>
-                <a:cs typeface="Arial" panose="020B0604020202020204" pitchFamily="34" charset="0"/>
+                <a:latin typeface="Times New Roman" panose="02020603050405020304" pitchFamily="18" charset="0"/>
+                <a:cs typeface="Times New Roman" panose="02020603050405020304" pitchFamily="18" charset="0"/>
               </a:rPr>
               <a:t>Positive (67)</a:t>
             </a:r>
@@ -4216,8 +4216,8 @@
               <a:solidFill>
                 <a:srgbClr val="0070C0"/>
               </a:solidFill>
-              <a:latin typeface="Arial" panose="020B0604020202020204" pitchFamily="34" charset="0"/>
-              <a:cs typeface="Arial" panose="020B0604020202020204" pitchFamily="34" charset="0"/>
+              <a:latin typeface="Times New Roman" panose="02020603050405020304" pitchFamily="18" charset="0"/>
+              <a:cs typeface="Times New Roman" panose="02020603050405020304" pitchFamily="18" charset="0"/>
             </a:endParaRPr>
           </a:p>
         </p:txBody>
@@ -4276,8 +4276,8 @@
           <a:p>
             <a:pPr algn="ctr"/>
             <a:endParaRPr kumimoji="1" lang="ja-JP" altLang="en-US" sz="1100">
-              <a:latin typeface="Arial" panose="020B0604020202020204" pitchFamily="34" charset="0"/>
-              <a:cs typeface="Arial" panose="020B0604020202020204" pitchFamily="34" charset="0"/>
+              <a:latin typeface="Times New Roman" panose="02020603050405020304" pitchFamily="18" charset="0"/>
+              <a:cs typeface="Times New Roman" panose="02020603050405020304" pitchFamily="18" charset="0"/>
             </a:endParaRPr>
           </a:p>
         </p:txBody>
@@ -4296,8 +4296,8 @@
         </p:nvSpPr>
         <p:spPr>
           <a:xfrm>
-            <a:off x="3588040" y="2826130"/>
-            <a:ext cx="1366080" cy="261610"/>
+            <a:off x="3695442" y="2826130"/>
+            <a:ext cx="1258678" cy="261610"/>
           </a:xfrm>
           <a:prstGeom prst="rect">
             <a:avLst/>
@@ -4316,8 +4316,8 @@
                 <a:solidFill>
                   <a:srgbClr val="0070C0"/>
                 </a:solidFill>
-                <a:latin typeface="Arial" panose="020B0604020202020204" pitchFamily="34" charset="0"/>
-                <a:cs typeface="Arial" panose="020B0604020202020204" pitchFamily="34" charset="0"/>
+                <a:latin typeface="Times New Roman" panose="02020603050405020304" pitchFamily="18" charset="0"/>
+                <a:cs typeface="Times New Roman" panose="02020603050405020304" pitchFamily="18" charset="0"/>
               </a:rPr>
               <a:t>Prey→Predator</a:t>
             </a:r>
@@ -4326,8 +4326,8 @@
                 <a:solidFill>
                   <a:srgbClr val="0070C0"/>
                 </a:solidFill>
-                <a:latin typeface="Arial" panose="020B0604020202020204" pitchFamily="34" charset="0"/>
-                <a:cs typeface="Arial" panose="020B0604020202020204" pitchFamily="34" charset="0"/>
+                <a:latin typeface="Times New Roman" panose="02020603050405020304" pitchFamily="18" charset="0"/>
+                <a:cs typeface="Times New Roman" panose="02020603050405020304" pitchFamily="18" charset="0"/>
               </a:rPr>
               <a:t> (1)</a:t>
             </a:r>
@@ -4335,8 +4335,8 @@
               <a:solidFill>
                 <a:srgbClr val="0070C0"/>
               </a:solidFill>
-              <a:latin typeface="Arial" panose="020B0604020202020204" pitchFamily="34" charset="0"/>
-              <a:cs typeface="Arial" panose="020B0604020202020204" pitchFamily="34" charset="0"/>
+              <a:latin typeface="Times New Roman" panose="02020603050405020304" pitchFamily="18" charset="0"/>
+              <a:cs typeface="Times New Roman" panose="02020603050405020304" pitchFamily="18" charset="0"/>
             </a:endParaRPr>
           </a:p>
         </p:txBody>
@@ -4356,7 +4356,7 @@
         <p:spPr>
           <a:xfrm>
             <a:off x="5548884" y="1529584"/>
-            <a:ext cx="968791" cy="276999"/>
+            <a:ext cx="904415" cy="276999"/>
           </a:xfrm>
           <a:prstGeom prst="rect">
             <a:avLst/>
@@ -4370,27 +4370,27 @@
           <a:lstStyle/>
           <a:p>
             <a:r>
-              <a:rPr kumimoji="1" lang="en-US" altLang="ja-JP" sz="1200" i="1">
+              <a:rPr kumimoji="1" lang="en-US" altLang="ja-JP" sz="1200" dirty="0">
                 <a:solidFill>
                   <a:schemeClr val="tx1">
                     <a:lumMod val="50000"/>
                     <a:lumOff val="50000"/>
                   </a:schemeClr>
                 </a:solidFill>
-                <a:latin typeface="Arial" panose="020B0604020202020204" pitchFamily="34" charset="0"/>
-                <a:cs typeface="Arial" panose="020B0604020202020204" pitchFamily="34" charset="0"/>
+                <a:latin typeface="Times New Roman" panose="02020603050405020304" pitchFamily="18" charset="0"/>
+                <a:cs typeface="Times New Roman" panose="02020603050405020304" pitchFamily="18" charset="0"/>
               </a:rPr>
               <a:t>Compatible</a:t>
             </a:r>
-            <a:endParaRPr kumimoji="1" lang="ja-JP" altLang="en-US" sz="1200" i="1">
+            <a:endParaRPr kumimoji="1" lang="ja-JP" altLang="en-US" sz="1200">
               <a:solidFill>
                 <a:schemeClr val="tx1">
                   <a:lumMod val="50000"/>
                   <a:lumOff val="50000"/>
                 </a:schemeClr>
               </a:solidFill>
-              <a:latin typeface="Arial" panose="020B0604020202020204" pitchFamily="34" charset="0"/>
-              <a:cs typeface="Arial" panose="020B0604020202020204" pitchFamily="34" charset="0"/>
+              <a:latin typeface="Times New Roman" panose="02020603050405020304" pitchFamily="18" charset="0"/>
+              <a:cs typeface="Times New Roman" panose="02020603050405020304" pitchFamily="18" charset="0"/>
             </a:endParaRPr>
           </a:p>
         </p:txBody>
@@ -4409,8 +4409,8 @@
         </p:nvSpPr>
         <p:spPr>
           <a:xfrm>
-            <a:off x="3466117" y="1541960"/>
-            <a:ext cx="1098570" cy="276999"/>
+            <a:off x="3522415" y="1541960"/>
+            <a:ext cx="1042272" cy="276999"/>
           </a:xfrm>
           <a:prstGeom prst="rect">
             <a:avLst/>
@@ -4425,27 +4425,27 @@
           <a:p>
             <a:pPr algn="r"/>
             <a:r>
-              <a:rPr kumimoji="1" lang="en-US" altLang="ja-JP" sz="1200" i="1">
+              <a:rPr kumimoji="1" lang="en-US" altLang="ja-JP" sz="1200">
                 <a:solidFill>
                   <a:schemeClr val="tx1">
                     <a:lumMod val="50000"/>
                     <a:lumOff val="50000"/>
                   </a:schemeClr>
                 </a:solidFill>
-                <a:latin typeface="Arial" panose="020B0604020202020204" pitchFamily="34" charset="0"/>
-                <a:cs typeface="Arial" panose="020B0604020202020204" pitchFamily="34" charset="0"/>
+                <a:latin typeface="Times New Roman" panose="02020603050405020304" pitchFamily="18" charset="0"/>
+                <a:cs typeface="Times New Roman" panose="02020603050405020304" pitchFamily="18" charset="0"/>
               </a:rPr>
               <a:t>Contradictory</a:t>
             </a:r>
-            <a:endParaRPr kumimoji="1" lang="ja-JP" altLang="en-US" sz="1200" i="1">
+            <a:endParaRPr kumimoji="1" lang="ja-JP" altLang="en-US" sz="1200">
               <a:solidFill>
                 <a:schemeClr val="tx1">
                   <a:lumMod val="50000"/>
                   <a:lumOff val="50000"/>
                 </a:schemeClr>
               </a:solidFill>
-              <a:latin typeface="Arial" panose="020B0604020202020204" pitchFamily="34" charset="0"/>
-              <a:cs typeface="Arial" panose="020B0604020202020204" pitchFamily="34" charset="0"/>
+              <a:latin typeface="Times New Roman" panose="02020603050405020304" pitchFamily="18" charset="0"/>
+              <a:cs typeface="Times New Roman" panose="02020603050405020304" pitchFamily="18" charset="0"/>
             </a:endParaRPr>
           </a:p>
         </p:txBody>
@@ -4464,8 +4464,8 @@
         </p:nvSpPr>
         <p:spPr>
           <a:xfrm>
-            <a:off x="4673477" y="4783289"/>
-            <a:ext cx="1258679" cy="307777"/>
+            <a:off x="4714354" y="4783289"/>
+            <a:ext cx="1176924" cy="307777"/>
           </a:xfrm>
           <a:prstGeom prst="rect">
             <a:avLst/>
@@ -4484,8 +4484,8 @@
                 <a:solidFill>
                   <a:srgbClr val="C00000"/>
                 </a:solidFill>
-                <a:latin typeface="Arial" panose="020B0604020202020204" pitchFamily="34" charset="0"/>
-                <a:cs typeface="Arial" panose="020B0604020202020204" pitchFamily="34" charset="0"/>
+                <a:latin typeface="Times New Roman" panose="02020603050405020304" pitchFamily="18" charset="0"/>
+                <a:cs typeface="Times New Roman" panose="02020603050405020304" pitchFamily="18" charset="0"/>
               </a:rPr>
               <a:t>Negative (58)</a:t>
             </a:r>
@@ -4493,8 +4493,8 @@
               <a:solidFill>
                 <a:srgbClr val="C00000"/>
               </a:solidFill>
-              <a:latin typeface="Arial" panose="020B0604020202020204" pitchFamily="34" charset="0"/>
-              <a:cs typeface="Arial" panose="020B0604020202020204" pitchFamily="34" charset="0"/>
+              <a:latin typeface="Times New Roman" panose="02020603050405020304" pitchFamily="18" charset="0"/>
+              <a:cs typeface="Times New Roman" panose="02020603050405020304" pitchFamily="18" charset="0"/>
             </a:endParaRPr>
           </a:p>
         </p:txBody>
@@ -4514,7 +4514,7 @@
         <p:spPr>
           <a:xfrm>
             <a:off x="1502501" y="5061651"/>
-            <a:ext cx="5089855" cy="338554"/>
+            <a:ext cx="4589205" cy="338554"/>
           </a:xfrm>
           <a:prstGeom prst="rect">
             <a:avLst/>
@@ -4529,14 +4529,14 @@
           <a:p>
             <a:r>
               <a:rPr kumimoji="1" lang="en-US" altLang="ja-JP" sz="1600" b="1">
-                <a:latin typeface="Arial" panose="020B0604020202020204" pitchFamily="34" charset="0"/>
-                <a:cs typeface="Arial" panose="020B0604020202020204" pitchFamily="34" charset="0"/>
+                <a:latin typeface="Times New Roman" panose="02020603050405020304" pitchFamily="18" charset="0"/>
+                <a:cs typeface="Times New Roman" panose="02020603050405020304" pitchFamily="18" charset="0"/>
               </a:rPr>
               <a:t>S-map-based sign of CCM-estimated relationships</a:t>
             </a:r>
             <a:endParaRPr kumimoji="1" lang="ja-JP" altLang="en-US" sz="1600" b="1">
-              <a:latin typeface="Arial" panose="020B0604020202020204" pitchFamily="34" charset="0"/>
-              <a:cs typeface="Arial" panose="020B0604020202020204" pitchFamily="34" charset="0"/>
+              <a:latin typeface="Times New Roman" panose="02020603050405020304" pitchFamily="18" charset="0"/>
+              <a:cs typeface="Times New Roman" panose="02020603050405020304" pitchFamily="18" charset="0"/>
             </a:endParaRPr>
           </a:p>
         </p:txBody>
@@ -4556,7 +4556,7 @@
         <p:spPr>
           <a:xfrm>
             <a:off x="5570320" y="2427050"/>
-            <a:ext cx="1366080" cy="261610"/>
+            <a:ext cx="1258678" cy="261610"/>
           </a:xfrm>
           <a:prstGeom prst="rect">
             <a:avLst/>
@@ -4574,8 +4574,8 @@
                 <a:solidFill>
                   <a:srgbClr val="C00000"/>
                 </a:solidFill>
-                <a:latin typeface="Arial" panose="020B0604020202020204" pitchFamily="34" charset="0"/>
-                <a:cs typeface="Arial" panose="020B0604020202020204" pitchFamily="34" charset="0"/>
+                <a:latin typeface="Times New Roman" panose="02020603050405020304" pitchFamily="18" charset="0"/>
+                <a:cs typeface="Times New Roman" panose="02020603050405020304" pitchFamily="18" charset="0"/>
               </a:rPr>
               <a:t>Predator→Prey</a:t>
             </a:r>
@@ -4584,8 +4584,8 @@
                 <a:solidFill>
                   <a:srgbClr val="C00000"/>
                 </a:solidFill>
-                <a:latin typeface="Arial" panose="020B0604020202020204" pitchFamily="34" charset="0"/>
-                <a:cs typeface="Arial" panose="020B0604020202020204" pitchFamily="34" charset="0"/>
+                <a:latin typeface="Times New Roman" panose="02020603050405020304" pitchFamily="18" charset="0"/>
+                <a:cs typeface="Times New Roman" panose="02020603050405020304" pitchFamily="18" charset="0"/>
               </a:rPr>
               <a:t> (4)</a:t>
             </a:r>
@@ -4593,8 +4593,8 @@
               <a:solidFill>
                 <a:srgbClr val="C00000"/>
               </a:solidFill>
-              <a:latin typeface="Arial" panose="020B0604020202020204" pitchFamily="34" charset="0"/>
-              <a:cs typeface="Arial" panose="020B0604020202020204" pitchFamily="34" charset="0"/>
+              <a:latin typeface="Times New Roman" panose="02020603050405020304" pitchFamily="18" charset="0"/>
+              <a:cs typeface="Times New Roman" panose="02020603050405020304" pitchFamily="18" charset="0"/>
             </a:endParaRPr>
           </a:p>
         </p:txBody>
@@ -4614,7 +4614,7 @@
         <p:spPr>
           <a:xfrm>
             <a:off x="5571197" y="2724821"/>
-            <a:ext cx="1563248" cy="261610"/>
+            <a:ext cx="1492716" cy="261610"/>
           </a:xfrm>
           <a:prstGeom prst="rect">
             <a:avLst/>
@@ -4632,8 +4632,8 @@
                 <a:solidFill>
                   <a:srgbClr val="C00000"/>
                 </a:solidFill>
-                <a:latin typeface="Arial" panose="020B0604020202020204" pitchFamily="34" charset="0"/>
-                <a:cs typeface="Arial" panose="020B0604020202020204" pitchFamily="34" charset="0"/>
+                <a:latin typeface="Times New Roman" panose="02020603050405020304" pitchFamily="18" charset="0"/>
+                <a:cs typeface="Times New Roman" panose="02020603050405020304" pitchFamily="18" charset="0"/>
               </a:rPr>
               <a:t>Aggressor→Victim</a:t>
             </a:r>
@@ -4642,8 +4642,8 @@
                 <a:solidFill>
                   <a:srgbClr val="C00000"/>
                 </a:solidFill>
-                <a:latin typeface="Arial" panose="020B0604020202020204" pitchFamily="34" charset="0"/>
-                <a:cs typeface="Arial" panose="020B0604020202020204" pitchFamily="34" charset="0"/>
+                <a:latin typeface="Times New Roman" panose="02020603050405020304" pitchFamily="18" charset="0"/>
+                <a:cs typeface="Times New Roman" panose="02020603050405020304" pitchFamily="18" charset="0"/>
               </a:rPr>
               <a:t> (1)</a:t>
             </a:r>
@@ -4651,8 +4651,8 @@
               <a:solidFill>
                 <a:srgbClr val="C00000"/>
               </a:solidFill>
-              <a:latin typeface="Arial" panose="020B0604020202020204" pitchFamily="34" charset="0"/>
-              <a:cs typeface="Arial" panose="020B0604020202020204" pitchFamily="34" charset="0"/>
+              <a:latin typeface="Times New Roman" panose="02020603050405020304" pitchFamily="18" charset="0"/>
+              <a:cs typeface="Times New Roman" panose="02020603050405020304" pitchFamily="18" charset="0"/>
             </a:endParaRPr>
           </a:p>
         </p:txBody>
@@ -4672,7 +4672,7 @@
         <p:spPr>
           <a:xfrm>
             <a:off x="5571197" y="2574381"/>
-            <a:ext cx="1563248" cy="261610"/>
+            <a:ext cx="1492716" cy="261610"/>
           </a:xfrm>
           <a:prstGeom prst="rect">
             <a:avLst/>
@@ -4690,8 +4690,8 @@
                 <a:solidFill>
                   <a:srgbClr val="C00000"/>
                 </a:solidFill>
-                <a:latin typeface="Arial" panose="020B0604020202020204" pitchFamily="34" charset="0"/>
-                <a:cs typeface="Arial" panose="020B0604020202020204" pitchFamily="34" charset="0"/>
+                <a:latin typeface="Times New Roman" panose="02020603050405020304" pitchFamily="18" charset="0"/>
+                <a:cs typeface="Times New Roman" panose="02020603050405020304" pitchFamily="18" charset="0"/>
               </a:rPr>
               <a:t>Victim→Aggressor</a:t>
             </a:r>
@@ -4700,8 +4700,8 @@
                 <a:solidFill>
                   <a:srgbClr val="C00000"/>
                 </a:solidFill>
-                <a:latin typeface="Arial" panose="020B0604020202020204" pitchFamily="34" charset="0"/>
-                <a:cs typeface="Arial" panose="020B0604020202020204" pitchFamily="34" charset="0"/>
+                <a:latin typeface="Times New Roman" panose="02020603050405020304" pitchFamily="18" charset="0"/>
+                <a:cs typeface="Times New Roman" panose="02020603050405020304" pitchFamily="18" charset="0"/>
               </a:rPr>
               <a:t> (2)</a:t>
             </a:r>
@@ -4709,8 +4709,8 @@
               <a:solidFill>
                 <a:srgbClr val="C00000"/>
               </a:solidFill>
-              <a:latin typeface="Arial" panose="020B0604020202020204" pitchFamily="34" charset="0"/>
-              <a:cs typeface="Arial" panose="020B0604020202020204" pitchFamily="34" charset="0"/>
+              <a:latin typeface="Times New Roman" panose="02020603050405020304" pitchFamily="18" charset="0"/>
+              <a:cs typeface="Times New Roman" panose="02020603050405020304" pitchFamily="18" charset="0"/>
             </a:endParaRPr>
           </a:p>
         </p:txBody>
@@ -4729,8 +4729,8 @@
         </p:nvSpPr>
         <p:spPr>
           <a:xfrm>
-            <a:off x="1871280" y="3982788"/>
-            <a:ext cx="1962397" cy="261610"/>
+            <a:off x="1949827" y="3982788"/>
+            <a:ext cx="1805302" cy="261610"/>
           </a:xfrm>
           <a:prstGeom prst="rect">
             <a:avLst/>
@@ -4746,14 +4746,14 @@
             <a:pPr algn="ctr"/>
             <a:r>
               <a:rPr kumimoji="1" lang="en-US" altLang="ja-JP" sz="1100" dirty="0">
-                <a:latin typeface="Arial" panose="020B0604020202020204" pitchFamily="34" charset="0"/>
-                <a:cs typeface="Arial" panose="020B0604020202020204" pitchFamily="34" charset="0"/>
+                <a:latin typeface="Times New Roman" panose="02020603050405020304" pitchFamily="18" charset="0"/>
+                <a:cs typeface="Times New Roman" panose="02020603050405020304" pitchFamily="18" charset="0"/>
               </a:rPr>
               <a:t>No observed interaction (59)</a:t>
             </a:r>
             <a:endParaRPr kumimoji="1" lang="ja-JP" altLang="en-US" sz="1100">
-              <a:latin typeface="Arial" panose="020B0604020202020204" pitchFamily="34" charset="0"/>
-              <a:cs typeface="Arial" panose="020B0604020202020204" pitchFamily="34" charset="0"/>
+              <a:latin typeface="Times New Roman" panose="02020603050405020304" pitchFamily="18" charset="0"/>
+              <a:cs typeface="Times New Roman" panose="02020603050405020304" pitchFamily="18" charset="0"/>
             </a:endParaRPr>
           </a:p>
         </p:txBody>
@@ -4772,8 +4772,8 @@
         </p:nvSpPr>
         <p:spPr>
           <a:xfrm>
-            <a:off x="4246677" y="3982788"/>
-            <a:ext cx="1962397" cy="261610"/>
+            <a:off x="4325224" y="3982788"/>
+            <a:ext cx="1805302" cy="261610"/>
           </a:xfrm>
           <a:prstGeom prst="rect">
             <a:avLst/>
@@ -4789,8 +4789,8 @@
             <a:pPr algn="ctr"/>
             <a:r>
               <a:rPr kumimoji="1" lang="en-US" altLang="ja-JP" sz="1100" dirty="0">
-                <a:latin typeface="Arial" panose="020B0604020202020204" pitchFamily="34" charset="0"/>
-                <a:cs typeface="Arial" panose="020B0604020202020204" pitchFamily="34" charset="0"/>
+                <a:latin typeface="Times New Roman" panose="02020603050405020304" pitchFamily="18" charset="0"/>
+                <a:cs typeface="Times New Roman" panose="02020603050405020304" pitchFamily="18" charset="0"/>
               </a:rPr>
               <a:t>No observed interaction (52)</a:t>
             </a:r>
@@ -4811,8 +4811,8 @@
         </p:nvSpPr>
         <p:spPr>
           <a:xfrm rot="16200000">
-            <a:off x="-551740" y="3297679"/>
-            <a:ext cx="2762295" cy="584775"/>
+            <a:off x="-464921" y="3297679"/>
+            <a:ext cx="2588657" cy="584775"/>
           </a:xfrm>
           <a:prstGeom prst="rect">
             <a:avLst/>
@@ -4828,8 +4828,8 @@
             <a:pPr algn="ctr"/>
             <a:r>
               <a:rPr kumimoji="1" lang="en-US" altLang="ja-JP" sz="1600" b="1" dirty="0">
-                <a:latin typeface="Arial" panose="020B0604020202020204" pitchFamily="34" charset="0"/>
-                <a:cs typeface="Arial" panose="020B0604020202020204" pitchFamily="34" charset="0"/>
+                <a:latin typeface="Times New Roman" panose="02020603050405020304" pitchFamily="18" charset="0"/>
+                <a:cs typeface="Times New Roman" panose="02020603050405020304" pitchFamily="18" charset="0"/>
               </a:rPr>
               <a:t>Number of CCM-estimated</a:t>
             </a:r>
@@ -4838,14 +4838,14 @@
             <a:pPr algn="ctr"/>
             <a:r>
               <a:rPr kumimoji="1" lang="en-US" altLang="ja-JP" sz="1600" b="1" dirty="0">
-                <a:latin typeface="Arial" panose="020B0604020202020204" pitchFamily="34" charset="0"/>
-                <a:cs typeface="Arial" panose="020B0604020202020204" pitchFamily="34" charset="0"/>
+                <a:latin typeface="Times New Roman" panose="02020603050405020304" pitchFamily="18" charset="0"/>
+                <a:cs typeface="Times New Roman" panose="02020603050405020304" pitchFamily="18" charset="0"/>
               </a:rPr>
               <a:t>relationships</a:t>
             </a:r>
             <a:endParaRPr kumimoji="1" lang="ja-JP" altLang="en-US" sz="1600" b="1">
-              <a:latin typeface="Arial" panose="020B0604020202020204" pitchFamily="34" charset="0"/>
-              <a:cs typeface="Arial" panose="020B0604020202020204" pitchFamily="34" charset="0"/>
+              <a:latin typeface="Times New Roman" panose="02020603050405020304" pitchFamily="18" charset="0"/>
+              <a:cs typeface="Times New Roman" panose="02020603050405020304" pitchFamily="18" charset="0"/>
             </a:endParaRPr>
           </a:p>
         </p:txBody>
@@ -4995,14 +4995,14 @@
             <a:pPr algn="r"/>
             <a:r>
               <a:rPr kumimoji="1" lang="en-US" altLang="ja-JP" sz="1100">
-                <a:latin typeface="Arial" panose="020B0604020202020204" pitchFamily="34" charset="0"/>
-                <a:cs typeface="Arial" panose="020B0604020202020204" pitchFamily="34" charset="0"/>
+                <a:latin typeface="Times New Roman" panose="02020603050405020304" pitchFamily="18" charset="0"/>
+                <a:cs typeface="Times New Roman" panose="02020603050405020304" pitchFamily="18" charset="0"/>
               </a:rPr>
               <a:t>0</a:t>
             </a:r>
             <a:endParaRPr kumimoji="1" lang="ja-JP" altLang="en-US" sz="1100">
-              <a:latin typeface="Arial" panose="020B0604020202020204" pitchFamily="34" charset="0"/>
-              <a:cs typeface="Arial" panose="020B0604020202020204" pitchFamily="34" charset="0"/>
+              <a:latin typeface="Times New Roman" panose="02020603050405020304" pitchFamily="18" charset="0"/>
+              <a:cs typeface="Times New Roman" panose="02020603050405020304" pitchFamily="18" charset="0"/>
             </a:endParaRPr>
           </a:p>
         </p:txBody>
@@ -5021,8 +5021,8 @@
         </p:nvSpPr>
         <p:spPr>
           <a:xfrm>
-            <a:off x="1027089" y="2861374"/>
-            <a:ext cx="341760" cy="261610"/>
+            <a:off x="1043119" y="2861374"/>
+            <a:ext cx="325730" cy="261610"/>
           </a:xfrm>
           <a:prstGeom prst="rect">
             <a:avLst/>
@@ -5038,14 +5038,14 @@
             <a:pPr algn="r"/>
             <a:r>
               <a:rPr kumimoji="1" lang="en-US" altLang="ja-JP" sz="1100">
-                <a:latin typeface="Arial" panose="020B0604020202020204" pitchFamily="34" charset="0"/>
-                <a:cs typeface="Arial" panose="020B0604020202020204" pitchFamily="34" charset="0"/>
+                <a:latin typeface="Times New Roman" panose="02020603050405020304" pitchFamily="18" charset="0"/>
+                <a:cs typeface="Times New Roman" panose="02020603050405020304" pitchFamily="18" charset="0"/>
               </a:rPr>
               <a:t>50</a:t>
             </a:r>
             <a:endParaRPr kumimoji="1" lang="ja-JP" altLang="en-US" sz="1100">
-              <a:latin typeface="Arial" panose="020B0604020202020204" pitchFamily="34" charset="0"/>
-              <a:cs typeface="Arial" panose="020B0604020202020204" pitchFamily="34" charset="0"/>
+              <a:latin typeface="Times New Roman" panose="02020603050405020304" pitchFamily="18" charset="0"/>
+              <a:cs typeface="Times New Roman" panose="02020603050405020304" pitchFamily="18" charset="0"/>
             </a:endParaRPr>
           </a:p>
         </p:txBody>
@@ -5294,8 +5294,8 @@
           <a:p>
             <a:pPr algn="ctr"/>
             <a:endParaRPr kumimoji="1" lang="ja-JP" altLang="en-US">
-              <a:latin typeface="Arial" panose="020B0604020202020204" pitchFamily="34" charset="0"/>
-              <a:cs typeface="Arial" panose="020B0604020202020204" pitchFamily="34" charset="0"/>
+              <a:latin typeface="Times New Roman" panose="02020603050405020304" pitchFamily="18" charset="0"/>
+              <a:cs typeface="Times New Roman" panose="02020603050405020304" pitchFamily="18" charset="0"/>
             </a:endParaRPr>
           </a:p>
         </p:txBody>
@@ -5389,7 +5389,10 @@
           <a:lstStyle/>
           <a:p>
             <a:pPr algn="ctr"/>
-            <a:endParaRPr kumimoji="1" lang="ja-JP" altLang="en-US"/>
+            <a:endParaRPr kumimoji="1" lang="ja-JP" altLang="en-US">
+              <a:latin typeface="Times New Roman" panose="02020603050405020304" pitchFamily="18" charset="0"/>
+              <a:cs typeface="Times New Roman" panose="02020603050405020304" pitchFamily="18" charset="0"/>
+            </a:endParaRPr>
           </a:p>
         </p:txBody>
       </p:sp>
@@ -5444,7 +5447,10 @@
           <a:lstStyle/>
           <a:p>
             <a:pPr algn="ctr"/>
-            <a:endParaRPr kumimoji="1" lang="ja-JP" altLang="en-US"/>
+            <a:endParaRPr kumimoji="1" lang="ja-JP" altLang="en-US">
+              <a:latin typeface="Times New Roman" panose="02020603050405020304" pitchFamily="18" charset="0"/>
+              <a:cs typeface="Times New Roman" panose="02020603050405020304" pitchFamily="18" charset="0"/>
+            </a:endParaRPr>
           </a:p>
         </p:txBody>
       </p:sp>
@@ -5499,7 +5505,10 @@
           <a:lstStyle/>
           <a:p>
             <a:pPr algn="ctr"/>
-            <a:endParaRPr kumimoji="1" lang="ja-JP" altLang="en-US"/>
+            <a:endParaRPr kumimoji="1" lang="ja-JP" altLang="en-US">
+              <a:latin typeface="Times New Roman" panose="02020603050405020304" pitchFamily="18" charset="0"/>
+              <a:cs typeface="Times New Roman" panose="02020603050405020304" pitchFamily="18" charset="0"/>
+            </a:endParaRPr>
           </a:p>
         </p:txBody>
       </p:sp>
@@ -5598,8 +5607,8 @@
           <a:p>
             <a:pPr algn="ctr"/>
             <a:endParaRPr kumimoji="1" lang="ja-JP" altLang="en-US">
-              <a:latin typeface="Arial" panose="020B0604020202020204" pitchFamily="34" charset="0"/>
-              <a:cs typeface="Arial" panose="020B0604020202020204" pitchFamily="34" charset="0"/>
+              <a:latin typeface="Times New Roman" panose="02020603050405020304" pitchFamily="18" charset="0"/>
+              <a:cs typeface="Times New Roman" panose="02020603050405020304" pitchFamily="18" charset="0"/>
             </a:endParaRPr>
           </a:p>
         </p:txBody>
@@ -5656,8 +5665,8 @@
           <a:p>
             <a:pPr algn="ctr"/>
             <a:endParaRPr kumimoji="1" lang="ja-JP" altLang="en-US">
-              <a:latin typeface="Arial" panose="020B0604020202020204" pitchFamily="34" charset="0"/>
-              <a:cs typeface="Arial" panose="020B0604020202020204" pitchFamily="34" charset="0"/>
+              <a:latin typeface="Times New Roman" panose="02020603050405020304" pitchFamily="18" charset="0"/>
+              <a:cs typeface="Times New Roman" panose="02020603050405020304" pitchFamily="18" charset="0"/>
             </a:endParaRPr>
           </a:p>
         </p:txBody>
@@ -5714,8 +5723,8 @@
           <a:p>
             <a:pPr algn="ctr"/>
             <a:endParaRPr kumimoji="1" lang="ja-JP" altLang="en-US">
-              <a:latin typeface="Arial" panose="020B0604020202020204" pitchFamily="34" charset="0"/>
-              <a:cs typeface="Arial" panose="020B0604020202020204" pitchFamily="34" charset="0"/>
+              <a:latin typeface="Times New Roman" panose="02020603050405020304" pitchFamily="18" charset="0"/>
+              <a:cs typeface="Times New Roman" panose="02020603050405020304" pitchFamily="18" charset="0"/>
             </a:endParaRPr>
           </a:p>
         </p:txBody>
@@ -5772,8 +5781,8 @@
           <a:p>
             <a:pPr algn="ctr"/>
             <a:endParaRPr kumimoji="1" lang="ja-JP" altLang="en-US">
-              <a:latin typeface="Arial" panose="020B0604020202020204" pitchFamily="34" charset="0"/>
-              <a:cs typeface="Arial" panose="020B0604020202020204" pitchFamily="34" charset="0"/>
+              <a:latin typeface="Times New Roman" panose="02020603050405020304" pitchFamily="18" charset="0"/>
+              <a:cs typeface="Times New Roman" panose="02020603050405020304" pitchFamily="18" charset="0"/>
             </a:endParaRPr>
           </a:p>
         </p:txBody>
@@ -6095,7 +6104,7 @@
         <p:spPr>
           <a:xfrm>
             <a:off x="3253273" y="2351926"/>
-            <a:ext cx="1563248" cy="261610"/>
+            <a:ext cx="1492716" cy="261610"/>
           </a:xfrm>
           <a:prstGeom prst="rect">
             <a:avLst/>
@@ -6113,8 +6122,8 @@
                 <a:solidFill>
                   <a:srgbClr val="C00000"/>
                 </a:solidFill>
-                <a:latin typeface="Arial" panose="020B0604020202020204" pitchFamily="34" charset="0"/>
-                <a:cs typeface="Arial" panose="020B0604020202020204" pitchFamily="34" charset="0"/>
+                <a:latin typeface="Times New Roman" panose="02020603050405020304" pitchFamily="18" charset="0"/>
+                <a:cs typeface="Times New Roman" panose="02020603050405020304" pitchFamily="18" charset="0"/>
               </a:rPr>
               <a:t>Aggressor→Victim</a:t>
             </a:r>
@@ -6123,8 +6132,8 @@
                 <a:solidFill>
                   <a:srgbClr val="C00000"/>
                 </a:solidFill>
-                <a:latin typeface="Arial" panose="020B0604020202020204" pitchFamily="34" charset="0"/>
-                <a:cs typeface="Arial" panose="020B0604020202020204" pitchFamily="34" charset="0"/>
+                <a:latin typeface="Times New Roman" panose="02020603050405020304" pitchFamily="18" charset="0"/>
+                <a:cs typeface="Times New Roman" panose="02020603050405020304" pitchFamily="18" charset="0"/>
               </a:rPr>
               <a:t> (1)</a:t>
             </a:r>
@@ -6132,8 +6141,8 @@
               <a:solidFill>
                 <a:srgbClr val="C00000"/>
               </a:solidFill>
-              <a:latin typeface="Arial" panose="020B0604020202020204" pitchFamily="34" charset="0"/>
-              <a:cs typeface="Arial" panose="020B0604020202020204" pitchFamily="34" charset="0"/>
+              <a:latin typeface="Times New Roman" panose="02020603050405020304" pitchFamily="18" charset="0"/>
+              <a:cs typeface="Times New Roman" panose="02020603050405020304" pitchFamily="18" charset="0"/>
             </a:endParaRPr>
           </a:p>
         </p:txBody>
@@ -6672,8 +6681,8 @@
           <a:p>
             <a:pPr algn="ctr"/>
             <a:endParaRPr kumimoji="1" lang="ja-JP" altLang="en-US">
-              <a:latin typeface="Arial" panose="020B0604020202020204" pitchFamily="34" charset="0"/>
-              <a:cs typeface="Arial" panose="020B0604020202020204" pitchFamily="34" charset="0"/>
+              <a:latin typeface="Times New Roman" panose="02020603050405020304" pitchFamily="18" charset="0"/>
+              <a:cs typeface="Times New Roman" panose="02020603050405020304" pitchFamily="18" charset="0"/>
             </a:endParaRPr>
           </a:p>
         </p:txBody>
